--- a/classes/stats2015/Lecture10.pptx
+++ b/classes/stats2015/Lecture10.pptx
@@ -5,7 +5,7 @@
     <p:sldMasterId id="2147483648" r:id="rId1"/>
   </p:sldMasterIdLst>
   <p:notesMasterIdLst>
-    <p:notesMasterId r:id="rId32"/>
+    <p:notesMasterId r:id="rId38"/>
   </p:notesMasterIdLst>
   <p:sldIdLst>
     <p:sldId id="256" r:id="rId2"/>
@@ -37,7 +37,13 @@
     <p:sldId id="285" r:id="rId28"/>
     <p:sldId id="286" r:id="rId29"/>
     <p:sldId id="287" r:id="rId30"/>
-    <p:sldId id="288" r:id="rId31"/>
+    <p:sldId id="289" r:id="rId31"/>
+    <p:sldId id="290" r:id="rId32"/>
+    <p:sldId id="294" r:id="rId33"/>
+    <p:sldId id="291" r:id="rId34"/>
+    <p:sldId id="292" r:id="rId35"/>
+    <p:sldId id="293" r:id="rId36"/>
+    <p:sldId id="288" r:id="rId37"/>
   </p:sldIdLst>
   <p:sldSz cx="9144000" cy="6858000" type="screen4x3"/>
   <p:notesSz cx="6858000" cy="9144000"/>
@@ -222,7 +228,7 @@
             <a:fld id="{AABD6A49-7987-48E0-90DF-8C2FFA45CE95}" type="datetimeFigureOut">
               <a:rPr lang="en-US" smtClean="0"/>
               <a:pPr/>
-              <a:t>2/17/2015</a:t>
+              <a:t>2/18/2015</a:t>
             </a:fld>
             <a:endParaRPr lang="en-US"/>
           </a:p>
@@ -1162,7 +1168,7 @@
             <a:fld id="{1D8BD707-D9CF-40AE-B4C6-C98DA3205C09}" type="datetimeFigureOut">
               <a:rPr lang="en-US" smtClean="0"/>
               <a:pPr/>
-              <a:t>2/17/2015</a:t>
+              <a:t>2/18/2015</a:t>
             </a:fld>
             <a:endParaRPr lang="en-US"/>
           </a:p>
@@ -1329,7 +1335,7 @@
             <a:fld id="{1D8BD707-D9CF-40AE-B4C6-C98DA3205C09}" type="datetimeFigureOut">
               <a:rPr lang="en-US" smtClean="0"/>
               <a:pPr/>
-              <a:t>2/17/2015</a:t>
+              <a:t>2/18/2015</a:t>
             </a:fld>
             <a:endParaRPr lang="en-US"/>
           </a:p>
@@ -1506,7 +1512,7 @@
             <a:fld id="{1D8BD707-D9CF-40AE-B4C6-C98DA3205C09}" type="datetimeFigureOut">
               <a:rPr lang="en-US" smtClean="0"/>
               <a:pPr/>
-              <a:t>2/17/2015</a:t>
+              <a:t>2/18/2015</a:t>
             </a:fld>
             <a:endParaRPr lang="en-US"/>
           </a:p>
@@ -1673,7 +1679,7 @@
             <a:fld id="{1D8BD707-D9CF-40AE-B4C6-C98DA3205C09}" type="datetimeFigureOut">
               <a:rPr lang="en-US" smtClean="0"/>
               <a:pPr/>
-              <a:t>2/17/2015</a:t>
+              <a:t>2/18/2015</a:t>
             </a:fld>
             <a:endParaRPr lang="en-US"/>
           </a:p>
@@ -1916,7 +1922,7 @@
             <a:fld id="{1D8BD707-D9CF-40AE-B4C6-C98DA3205C09}" type="datetimeFigureOut">
               <a:rPr lang="en-US" smtClean="0"/>
               <a:pPr/>
-              <a:t>2/17/2015</a:t>
+              <a:t>2/18/2015</a:t>
             </a:fld>
             <a:endParaRPr lang="en-US"/>
           </a:p>
@@ -2201,7 +2207,7 @@
             <a:fld id="{1D8BD707-D9CF-40AE-B4C6-C98DA3205C09}" type="datetimeFigureOut">
               <a:rPr lang="en-US" smtClean="0"/>
               <a:pPr/>
-              <a:t>2/17/2015</a:t>
+              <a:t>2/18/2015</a:t>
             </a:fld>
             <a:endParaRPr lang="en-US"/>
           </a:p>
@@ -2620,7 +2626,7 @@
             <a:fld id="{1D8BD707-D9CF-40AE-B4C6-C98DA3205C09}" type="datetimeFigureOut">
               <a:rPr lang="en-US" smtClean="0"/>
               <a:pPr/>
-              <a:t>2/17/2015</a:t>
+              <a:t>2/18/2015</a:t>
             </a:fld>
             <a:endParaRPr lang="en-US"/>
           </a:p>
@@ -2735,7 +2741,7 @@
             <a:fld id="{1D8BD707-D9CF-40AE-B4C6-C98DA3205C09}" type="datetimeFigureOut">
               <a:rPr lang="en-US" smtClean="0"/>
               <a:pPr/>
-              <a:t>2/17/2015</a:t>
+              <a:t>2/18/2015</a:t>
             </a:fld>
             <a:endParaRPr lang="en-US"/>
           </a:p>
@@ -2827,7 +2833,7 @@
             <a:fld id="{1D8BD707-D9CF-40AE-B4C6-C98DA3205C09}" type="datetimeFigureOut">
               <a:rPr lang="en-US" smtClean="0"/>
               <a:pPr/>
-              <a:t>2/17/2015</a:t>
+              <a:t>2/18/2015</a:t>
             </a:fld>
             <a:endParaRPr lang="en-US"/>
           </a:p>
@@ -3101,7 +3107,7 @@
             <a:fld id="{1D8BD707-D9CF-40AE-B4C6-C98DA3205C09}" type="datetimeFigureOut">
               <a:rPr lang="en-US" smtClean="0"/>
               <a:pPr/>
-              <a:t>2/17/2015</a:t>
+              <a:t>2/18/2015</a:t>
             </a:fld>
             <a:endParaRPr lang="en-US"/>
           </a:p>
@@ -3351,7 +3357,7 @@
             <a:fld id="{1D8BD707-D9CF-40AE-B4C6-C98DA3205C09}" type="datetimeFigureOut">
               <a:rPr lang="en-US" smtClean="0"/>
               <a:pPr/>
-              <a:t>2/17/2015</a:t>
+              <a:t>2/18/2015</a:t>
             </a:fld>
             <a:endParaRPr lang="en-US"/>
           </a:p>
@@ -3561,7 +3567,7 @@
             <a:fld id="{1D8BD707-D9CF-40AE-B4C6-C98DA3205C09}" type="datetimeFigureOut">
               <a:rPr lang="en-US" smtClean="0"/>
               <a:pPr/>
-              <a:t>2/17/2015</a:t>
+              <a:t>2/18/2015</a:t>
             </a:fld>
             <a:endParaRPr lang="en-US"/>
           </a:p>
@@ -5129,8 +5135,8 @@
         </p:nvSpPr>
         <p:spPr>
           <a:xfrm>
-            <a:off x="35389" y="393680"/>
-            <a:ext cx="8996374" cy="3108543"/>
+            <a:off x="35389" y="304800"/>
+            <a:ext cx="8996374" cy="3600986"/>
           </a:xfrm>
           <a:prstGeom prst="rect">
             <a:avLst/>
@@ -5148,21 +5154,7 @@
                 <a:latin typeface="Arial" pitchFamily="34" charset="0"/>
                 <a:cs typeface="Arial" pitchFamily="34" charset="0"/>
               </a:rPr>
-              <a:t>In lab </a:t>
-            </a:r>
-            <a:r>
-              <a:rPr lang="en-US" sz="1600" dirty="0" smtClean="0">
-                <a:latin typeface="Arial" pitchFamily="34" charset="0"/>
-                <a:cs typeface="Arial" pitchFamily="34" charset="0"/>
-              </a:rPr>
-              <a:t>Wed, </a:t>
-            </a:r>
-            <a:r>
-              <a:rPr lang="en-US" sz="1600" dirty="0" smtClean="0">
-                <a:latin typeface="Arial" pitchFamily="34" charset="0"/>
-                <a:cs typeface="Arial" pitchFamily="34" charset="0"/>
-              </a:rPr>
-              <a:t>we will fit the Poisson distribution to this mouse/E. Coli dataset.</a:t>
+              <a:t>In lab Wed, we will fit the Poisson distribution to this mouse/E. Coli dataset.</a:t>
             </a:r>
           </a:p>
           <a:p>
@@ -5186,21 +5178,7 @@
                 <a:latin typeface="Arial" pitchFamily="34" charset="0"/>
                 <a:cs typeface="Arial" pitchFamily="34" charset="0"/>
               </a:rPr>
-              <a:t>In </a:t>
-            </a:r>
-            <a:r>
-              <a:rPr lang="en-US" sz="1600" dirty="0" smtClean="0">
-                <a:latin typeface="Arial" pitchFamily="34" charset="0"/>
-                <a:cs typeface="Arial" pitchFamily="34" charset="0"/>
-              </a:rPr>
-              <a:t>the following weeks lab</a:t>
-            </a:r>
-            <a:r>
-              <a:rPr lang="en-US" sz="1600" dirty="0" smtClean="0">
-                <a:latin typeface="Arial" pitchFamily="34" charset="0"/>
-                <a:cs typeface="Arial" pitchFamily="34" charset="0"/>
-              </a:rPr>
-              <a:t>, we will use a better model based on the negative binomial distribution.</a:t>
+              <a:t>In the following weeks lab, we will use a better model based on the negative binomial distribution.</a:t>
             </a:r>
           </a:p>
           <a:p>
@@ -5259,8 +5237,51 @@
                 <a:latin typeface="Arial" pitchFamily="34" charset="0"/>
                 <a:cs typeface="Arial" pitchFamily="34" charset="0"/>
               </a:rPr>
-              <a:t>	(ii) choose a strategy to estimate mean and variance for each gene..</a:t>
-            </a:r>
+              <a:t>	(ii) choose a strategy to estimate mean and variance for each gene</a:t>
+            </a:r>
+            <a:r>
+              <a:rPr lang="en-US" sz="1600" dirty="0" smtClean="0">
+                <a:latin typeface="Arial" pitchFamily="34" charset="0"/>
+                <a:cs typeface="Arial" pitchFamily="34" charset="0"/>
+              </a:rPr>
+              <a:t>.</a:t>
+            </a:r>
+          </a:p>
+          <a:p>
+            <a:r>
+              <a:rPr lang="en-US" sz="1600" dirty="0" smtClean="0">
+                <a:latin typeface="Arial" pitchFamily="34" charset="0"/>
+                <a:cs typeface="Arial" pitchFamily="34" charset="0"/>
+              </a:rPr>
+              <a:t>	</a:t>
+            </a:r>
+            <a:r>
+              <a:rPr lang="en-US" sz="1600" dirty="0" smtClean="0">
+                <a:latin typeface="Arial" pitchFamily="34" charset="0"/>
+                <a:cs typeface="Arial" pitchFamily="34" charset="0"/>
+              </a:rPr>
+              <a:t>(iii) use those means and variances to produce p-values from the negative binomial </a:t>
+            </a:r>
+          </a:p>
+          <a:p>
+            <a:r>
+              <a:rPr lang="en-US" sz="1600" dirty="0" smtClean="0">
+                <a:latin typeface="Arial" pitchFamily="34" charset="0"/>
+                <a:cs typeface="Arial" pitchFamily="34" charset="0"/>
+              </a:rPr>
+              <a:t>	</a:t>
+            </a:r>
+            <a:r>
+              <a:rPr lang="en-US" sz="1600" dirty="0" smtClean="0">
+                <a:latin typeface="Arial" pitchFamily="34" charset="0"/>
+                <a:cs typeface="Arial" pitchFamily="34" charset="0"/>
+              </a:rPr>
+              <a:t>      distribution</a:t>
+            </a:r>
+            <a:endParaRPr lang="en-US" sz="1600" dirty="0" smtClean="0">
+              <a:latin typeface="Arial" pitchFamily="34" charset="0"/>
+              <a:cs typeface="Arial" pitchFamily="34" charset="0"/>
+            </a:endParaRPr>
           </a:p>
           <a:p>
             <a:endParaRPr lang="en-US" dirty="0" smtClean="0"/>
@@ -5291,8 +5312,8 @@
         </p:blipFill>
         <p:spPr bwMode="auto">
           <a:xfrm>
-            <a:off x="2133600" y="3789470"/>
-            <a:ext cx="4419600" cy="3068530"/>
+            <a:off x="2362200" y="3948187"/>
+            <a:ext cx="4191000" cy="2909813"/>
           </a:xfrm>
           <a:prstGeom prst="rect">
             <a:avLst/>
@@ -7237,19 +7258,8 @@
                 <a:latin typeface="Courier New" pitchFamily="49" charset="0"/>
                 <a:cs typeface="Courier New" pitchFamily="49" charset="0"/>
               </a:rPr>
-              <a:t>		for ( j in </a:t>
-            </a:r>
-            <a:r>
-              <a:rPr lang="en-US" sz="1200" dirty="0" smtClean="0">
-                <a:latin typeface="Courier New" pitchFamily="49" charset="0"/>
-                <a:cs typeface="Courier New" pitchFamily="49" charset="0"/>
-              </a:rPr>
-              <a:t>range)</a:t>
-            </a:r>
-            <a:endParaRPr lang="en-US" sz="1200" dirty="0" smtClean="0">
-              <a:latin typeface="Courier New" pitchFamily="49" charset="0"/>
-              <a:cs typeface="Courier New" pitchFamily="49" charset="0"/>
-            </a:endParaRPr>
+              <a:t>		for ( j in range)</a:t>
+            </a:r>
           </a:p>
           <a:p>
             <a:r>
@@ -7345,19 +7355,8 @@
                 <a:latin typeface="Courier New" pitchFamily="49" charset="0"/>
                 <a:cs typeface="Courier New" pitchFamily="49" charset="0"/>
               </a:rPr>
-              <a:t>] = sum / </a:t>
-            </a:r>
-            <a:r>
-              <a:rPr lang="en-US" sz="1200" dirty="0" smtClean="0">
-                <a:latin typeface="Courier New" pitchFamily="49" charset="0"/>
-                <a:cs typeface="Courier New" pitchFamily="49" charset="0"/>
-              </a:rPr>
-              <a:t>length(range);</a:t>
-            </a:r>
-            <a:endParaRPr lang="en-US" sz="1200" dirty="0" smtClean="0">
-              <a:latin typeface="Courier New" pitchFamily="49" charset="0"/>
-              <a:cs typeface="Courier New" pitchFamily="49" charset="0"/>
-            </a:endParaRPr>
+              <a:t>] = sum / length(range);</a:t>
+            </a:r>
           </a:p>
           <a:p>
             <a:r>
@@ -7758,11 +7757,7 @@
           <a:p>
             <a:r>
               <a:rPr lang="en-US" dirty="0" smtClean="0"/>
-              <a:t>r</a:t>
-            </a:r>
-            <a:r>
-              <a:rPr lang="en-US" dirty="0" smtClean="0"/>
-              <a:t>egression might </a:t>
+              <a:t>regression might </a:t>
             </a:r>
           </a:p>
           <a:p>
@@ -7970,11 +7965,7 @@
             </a:r>
             <a:r>
               <a:rPr lang="en-US" dirty="0" smtClean="0"/>
-              <a:t> </a:t>
-            </a:r>
-            <a:r>
-              <a:rPr lang="en-US" dirty="0" smtClean="0"/>
-              <a:t>)</a:t>
+              <a:t> )</a:t>
             </a:r>
           </a:p>
           <a:p>
@@ -7984,11 +7975,7 @@
             </a:r>
             <a:r>
               <a:rPr lang="en-US" dirty="0" smtClean="0"/>
-              <a:t> </a:t>
-            </a:r>
-            <a:r>
-              <a:rPr lang="en-US" dirty="0" smtClean="0"/>
-              <a:t>&lt;- apply( </a:t>
+              <a:t> &lt;- apply( </a:t>
             </a:r>
             <a:r>
               <a:rPr lang="en-US" dirty="0" err="1" smtClean="0"/>
@@ -8012,11 +7999,7 @@
             </a:r>
             <a:r>
               <a:rPr lang="en-US" dirty="0" smtClean="0"/>
-              <a:t> </a:t>
-            </a:r>
-            <a:r>
-              <a:rPr lang="en-US" dirty="0" smtClean="0"/>
-              <a:t>)</a:t>
+              <a:t> )</a:t>
             </a:r>
           </a:p>
           <a:p>
@@ -8026,11 +8009,7 @@
             </a:r>
             <a:r>
               <a:rPr lang="en-US" dirty="0" smtClean="0"/>
-              <a:t> &lt;- </a:t>
-            </a:r>
-            <a:r>
-              <a:rPr lang="en-US" dirty="0" smtClean="0"/>
-              <a:t>apply( </a:t>
+              <a:t> &lt;- apply( </a:t>
             </a:r>
             <a:r>
               <a:rPr lang="en-US" dirty="0" err="1" smtClean="0"/>
@@ -8213,21 +8192,7 @@
                 <a:latin typeface="Arial" pitchFamily="34" charset="0"/>
                 <a:cs typeface="Arial" pitchFamily="34" charset="0"/>
               </a:rPr>
-              <a:t>One problem is that the negative binomial distribution is not defined </a:t>
-            </a:r>
-            <a:r>
-              <a:rPr lang="en-US" sz="1600" dirty="0" smtClean="0">
-                <a:latin typeface="Arial" pitchFamily="34" charset="0"/>
-                <a:cs typeface="Arial" pitchFamily="34" charset="0"/>
-              </a:rPr>
-              <a:t>when the </a:t>
-            </a:r>
-            <a:r>
-              <a:rPr lang="en-US" sz="1600" dirty="0" smtClean="0">
-                <a:latin typeface="Arial" pitchFamily="34" charset="0"/>
-                <a:cs typeface="Arial" pitchFamily="34" charset="0"/>
-              </a:rPr>
-              <a:t>variance &lt;= mean!</a:t>
+              <a:t>One problem is that the negative binomial distribution is not defined when the variance &lt;= mean!</a:t>
             </a:r>
             <a:endParaRPr lang="en-US" sz="1600" dirty="0">
               <a:latin typeface="Arial" pitchFamily="34" charset="0"/>
@@ -8456,11 +8421,7 @@
           <a:p>
             <a:r>
               <a:rPr lang="en-US" dirty="0" smtClean="0"/>
-              <a:t>f</a:t>
-            </a:r>
-            <a:r>
-              <a:rPr lang="en-US" dirty="0" smtClean="0"/>
-              <a:t>or the “raw variance”</a:t>
+              <a:t>for the “raw variance”</a:t>
             </a:r>
           </a:p>
           <a:p>
@@ -8475,11 +8436,7 @@
           <a:p>
             <a:r>
               <a:rPr lang="en-US" dirty="0" smtClean="0"/>
-              <a:t>m</a:t>
-            </a:r>
-            <a:r>
-              <a:rPr lang="en-US" dirty="0" smtClean="0"/>
-              <a:t>aterials (where, to be honest,</a:t>
+              <a:t>materials (where, to be honest,</a:t>
             </a:r>
           </a:p>
           <a:p>
@@ -9457,16 +9414,48 @@
           <a:chExt cx="0" cy="0"/>
         </a:xfrm>
       </p:grpSpPr>
-      <p:sp>
-        <p:nvSpPr>
-          <p:cNvPr id="2" name="TextBox 1"/>
+      <p:pic>
+        <p:nvPicPr>
+          <p:cNvPr id="1026" name="Picture 2"/>
+          <p:cNvPicPr>
+            <a:picLocks noChangeAspect="1" noChangeArrowheads="1"/>
+          </p:cNvPicPr>
+          <p:nvPr/>
+        </p:nvPicPr>
+        <p:blipFill>
+          <a:blip r:embed="rId2" cstate="print"/>
+          <a:srcRect/>
+          <a:stretch>
+            <a:fillRect/>
+          </a:stretch>
+        </p:blipFill>
+        <p:spPr bwMode="auto">
+          <a:xfrm>
+            <a:off x="304800" y="1828800"/>
+            <a:ext cx="8534400" cy="4837916"/>
+          </a:xfrm>
+          <a:prstGeom prst="rect">
+            <a:avLst/>
+          </a:prstGeom>
+          <a:noFill/>
+          <a:ln w="9525">
+            <a:noFill/>
+            <a:miter lim="800000"/>
+            <a:headEnd/>
+            <a:tailEnd/>
+          </a:ln>
+        </p:spPr>
+      </p:pic>
+      <p:sp>
+        <p:nvSpPr>
+          <p:cNvPr id="3" name="TextBox 2"/>
           <p:cNvSpPr txBox="1"/>
           <p:nvPr/>
         </p:nvSpPr>
         <p:spPr>
           <a:xfrm>
-            <a:off x="1066800" y="304800"/>
-            <a:ext cx="7273273" cy="2862322"/>
+            <a:off x="533400" y="76200"/>
+            <a:ext cx="7024039" cy="646331"/>
           </a:xfrm>
           <a:prstGeom prst="rect">
             <a:avLst/>
@@ -9481,41 +9470,233 @@
           <a:p>
             <a:r>
               <a:rPr lang="en-US" dirty="0" smtClean="0"/>
-              <a:t>Next time:</a:t>
-            </a:r>
-          </a:p>
-          <a:p>
-            <a:endParaRPr lang="en-US" dirty="0" smtClean="0"/>
-          </a:p>
-          <a:p>
-            <a:r>
-              <a:rPr lang="en-US" dirty="0" smtClean="0"/>
-              <a:t>	Now that we have the mean and the variance, how do we use the</a:t>
-            </a:r>
-          </a:p>
-          <a:p>
-            <a:r>
-              <a:rPr lang="en-US" dirty="0" smtClean="0"/>
-              <a:t>	</a:t>
-            </a:r>
-            <a:r>
-              <a:rPr lang="en-US" dirty="0" smtClean="0"/>
-              <a:t>negative binomial distribution to calculate p-values?</a:t>
-            </a:r>
-          </a:p>
-          <a:p>
-            <a:endParaRPr lang="en-US" dirty="0" smtClean="0"/>
-          </a:p>
-          <a:p>
-            <a:r>
-              <a:rPr lang="en-US" dirty="0" smtClean="0"/>
-              <a:t>	Also, although all that math is in the paper, that is not how</a:t>
-            </a:r>
-          </a:p>
-          <a:p>
-            <a:r>
-              <a:rPr lang="en-US" dirty="0" smtClean="0"/>
-              <a:t>	</a:t>
+              <a:t>We see the adjusted variance approaches the canonical variance as the </a:t>
+            </a:r>
+          </a:p>
+          <a:p>
+            <a:r>
+              <a:rPr lang="en-US" dirty="0" smtClean="0"/>
+              <a:t>v</a:t>
+            </a:r>
+            <a:r>
+              <a:rPr lang="en-US" dirty="0" smtClean="0"/>
+              <a:t>ariance increases….</a:t>
+            </a:r>
+            <a:endParaRPr lang="en-US" dirty="0"/>
+          </a:p>
+        </p:txBody>
+      </p:sp>
+      <p:pic>
+        <p:nvPicPr>
+          <p:cNvPr id="1027" name="Picture 3"/>
+          <p:cNvPicPr>
+            <a:picLocks noChangeAspect="1" noChangeArrowheads="1"/>
+          </p:cNvPicPr>
+          <p:nvPr/>
+        </p:nvPicPr>
+        <p:blipFill>
+          <a:blip r:embed="rId3" cstate="print"/>
+          <a:srcRect/>
+          <a:stretch>
+            <a:fillRect/>
+          </a:stretch>
+        </p:blipFill>
+        <p:spPr bwMode="auto">
+          <a:xfrm>
+            <a:off x="2819400" y="533400"/>
+            <a:ext cx="5962650" cy="1590675"/>
+          </a:xfrm>
+          <a:prstGeom prst="rect">
+            <a:avLst/>
+          </a:prstGeom>
+          <a:noFill/>
+          <a:ln w="9525">
+            <a:noFill/>
+            <a:miter lim="800000"/>
+            <a:headEnd/>
+            <a:tailEnd/>
+          </a:ln>
+        </p:spPr>
+      </p:pic>
+    </p:spTree>
+  </p:cSld>
+  <p:clrMapOvr>
+    <a:masterClrMapping/>
+  </p:clrMapOvr>
+</p:sld>
+</file>
+
+<file path=ppt/slides/slide31.xml><?xml version="1.0" encoding="utf-8"?>
+<p:sld xmlns:a="http://schemas.openxmlformats.org/drawingml/2006/main" xmlns:r="http://schemas.openxmlformats.org/officeDocument/2006/relationships" xmlns:p="http://schemas.openxmlformats.org/presentationml/2006/main">
+  <p:cSld>
+    <p:spTree>
+      <p:nvGrpSpPr>
+        <p:cNvPr id="1" name=""/>
+        <p:cNvGrpSpPr/>
+        <p:nvPr/>
+      </p:nvGrpSpPr>
+      <p:grpSpPr>
+        <a:xfrm>
+          <a:off x="0" y="0"/>
+          <a:ext cx="0" cy="0"/>
+          <a:chOff x="0" y="0"/>
+          <a:chExt cx="0" cy="0"/>
+        </a:xfrm>
+      </p:grpSpPr>
+      <p:pic>
+        <p:nvPicPr>
+          <p:cNvPr id="2050" name="Picture 2"/>
+          <p:cNvPicPr>
+            <a:picLocks noChangeAspect="1" noChangeArrowheads="1"/>
+          </p:cNvPicPr>
+          <p:nvPr/>
+        </p:nvPicPr>
+        <p:blipFill>
+          <a:blip r:embed="rId2" cstate="print"/>
+          <a:srcRect/>
+          <a:stretch>
+            <a:fillRect/>
+          </a:stretch>
+        </p:blipFill>
+        <p:spPr bwMode="auto">
+          <a:xfrm>
+            <a:off x="161925" y="1800225"/>
+            <a:ext cx="8820150" cy="4067175"/>
+          </a:xfrm>
+          <a:prstGeom prst="rect">
+            <a:avLst/>
+          </a:prstGeom>
+          <a:noFill/>
+          <a:ln w="9525">
+            <a:noFill/>
+            <a:miter lim="800000"/>
+            <a:headEnd/>
+            <a:tailEnd/>
+          </a:ln>
+        </p:spPr>
+      </p:pic>
+      <p:sp>
+        <p:nvSpPr>
+          <p:cNvPr id="3" name="TextBox 2"/>
+          <p:cNvSpPr txBox="1"/>
+          <p:nvPr/>
+        </p:nvSpPr>
+        <p:spPr>
+          <a:xfrm>
+            <a:off x="457200" y="76200"/>
+            <a:ext cx="5258299" cy="369332"/>
+          </a:xfrm>
+          <a:prstGeom prst="rect">
+            <a:avLst/>
+          </a:prstGeom>
+          <a:noFill/>
+        </p:spPr>
+        <p:txBody>
+          <a:bodyPr wrap="none" rtlCol="0">
+            <a:spAutoFit/>
+          </a:bodyPr>
+          <a:lstStyle/>
+          <a:p>
+            <a:r>
+              <a:rPr lang="en-US" dirty="0" smtClean="0"/>
+              <a:t>The canonical variance is often </a:t>
+            </a:r>
+            <a:r>
+              <a:rPr lang="en-US" smtClean="0"/>
+              <a:t>well below the mean….</a:t>
+            </a:r>
+            <a:endParaRPr lang="en-US" dirty="0"/>
+          </a:p>
+        </p:txBody>
+      </p:sp>
+      <p:pic>
+        <p:nvPicPr>
+          <p:cNvPr id="2051" name="Picture 3"/>
+          <p:cNvPicPr>
+            <a:picLocks noChangeAspect="1" noChangeArrowheads="1"/>
+          </p:cNvPicPr>
+          <p:nvPr/>
+        </p:nvPicPr>
+        <p:blipFill>
+          <a:blip r:embed="rId3" cstate="print"/>
+          <a:srcRect/>
+          <a:stretch>
+            <a:fillRect/>
+          </a:stretch>
+        </p:blipFill>
+        <p:spPr bwMode="auto">
+          <a:xfrm>
+            <a:off x="1600200" y="533400"/>
+            <a:ext cx="6086475" cy="1285875"/>
+          </a:xfrm>
+          <a:prstGeom prst="rect">
+            <a:avLst/>
+          </a:prstGeom>
+          <a:noFill/>
+          <a:ln w="9525">
+            <a:noFill/>
+            <a:miter lim="800000"/>
+            <a:headEnd/>
+            <a:tailEnd/>
+          </a:ln>
+        </p:spPr>
+      </p:pic>
+    </p:spTree>
+  </p:cSld>
+  <p:clrMapOvr>
+    <a:masterClrMapping/>
+  </p:clrMapOvr>
+</p:sld>
+</file>
+
+<file path=ppt/slides/slide32.xml><?xml version="1.0" encoding="utf-8"?>
+<p:sld xmlns:a="http://schemas.openxmlformats.org/drawingml/2006/main" xmlns:r="http://schemas.openxmlformats.org/officeDocument/2006/relationships" xmlns:p="http://schemas.openxmlformats.org/presentationml/2006/main">
+  <p:cSld>
+    <p:spTree>
+      <p:nvGrpSpPr>
+        <p:cNvPr id="1" name=""/>
+        <p:cNvGrpSpPr/>
+        <p:nvPr/>
+      </p:nvGrpSpPr>
+      <p:grpSpPr>
+        <a:xfrm>
+          <a:off x="0" y="0"/>
+          <a:ext cx="0" cy="0"/>
+          <a:chOff x="0" y="0"/>
+          <a:chExt cx="0" cy="0"/>
+        </a:xfrm>
+      </p:grpSpPr>
+      <p:sp>
+        <p:nvSpPr>
+          <p:cNvPr id="2" name="TextBox 1"/>
+          <p:cNvSpPr txBox="1"/>
+          <p:nvPr/>
+        </p:nvSpPr>
+        <p:spPr>
+          <a:xfrm>
+            <a:off x="444253" y="152400"/>
+            <a:ext cx="7175747" cy="646331"/>
+          </a:xfrm>
+          <a:prstGeom prst="rect">
+            <a:avLst/>
+          </a:prstGeom>
+          <a:noFill/>
+        </p:spPr>
+        <p:txBody>
+          <a:bodyPr wrap="none" rtlCol="0">
+            <a:spAutoFit/>
+          </a:bodyPr>
+          <a:lstStyle/>
+          <a:p>
+            <a:r>
+              <a:rPr lang="en-US" dirty="0" smtClean="0"/>
+              <a:t>We see the canonical variance is also often below the mean in the dataset </a:t>
+            </a:r>
+          </a:p>
+          <a:p>
+            <a:r>
+              <a:rPr lang="en-US" dirty="0" smtClean="0"/>
+              <a:t>analyzed in the </a:t>
             </a:r>
             <a:r>
               <a:rPr lang="en-US" dirty="0" err="1" smtClean="0"/>
@@ -9523,23 +9704,612 @@
             </a:r>
             <a:r>
               <a:rPr lang="en-US" dirty="0" smtClean="0"/>
+              <a:t> </a:t>
+            </a:r>
+            <a:r>
+              <a:rPr lang="en-US" dirty="0" err="1" smtClean="0"/>
+              <a:t>paqer</a:t>
+            </a:r>
+            <a:endParaRPr lang="en-US" dirty="0"/>
+          </a:p>
+        </p:txBody>
+      </p:sp>
+      <p:pic>
+        <p:nvPicPr>
+          <p:cNvPr id="5122" name="Picture 2"/>
+          <p:cNvPicPr>
+            <a:picLocks noChangeAspect="1" noChangeArrowheads="1"/>
+          </p:cNvPicPr>
+          <p:nvPr/>
+        </p:nvPicPr>
+        <p:blipFill>
+          <a:blip r:embed="rId2" cstate="print"/>
+          <a:srcRect/>
+          <a:stretch>
+            <a:fillRect/>
+          </a:stretch>
+        </p:blipFill>
+        <p:spPr bwMode="auto">
+          <a:xfrm>
+            <a:off x="228600" y="1143000"/>
+            <a:ext cx="8407689" cy="3505200"/>
+          </a:xfrm>
+          <a:prstGeom prst="rect">
+            <a:avLst/>
+          </a:prstGeom>
+          <a:noFill/>
+          <a:ln w="9525">
+            <a:noFill/>
+            <a:miter lim="800000"/>
+            <a:headEnd/>
+            <a:tailEnd/>
+          </a:ln>
+        </p:spPr>
+      </p:pic>
+    </p:spTree>
+  </p:cSld>
+  <p:clrMapOvr>
+    <a:masterClrMapping/>
+  </p:clrMapOvr>
+</p:sld>
+</file>
+
+<file path=ppt/slides/slide33.xml><?xml version="1.0" encoding="utf-8"?>
+<p:sld xmlns:a="http://schemas.openxmlformats.org/drawingml/2006/main" xmlns:r="http://schemas.openxmlformats.org/officeDocument/2006/relationships" xmlns:p="http://schemas.openxmlformats.org/presentationml/2006/main">
+  <p:cSld>
+    <p:spTree>
+      <p:nvGrpSpPr>
+        <p:cNvPr id="1" name=""/>
+        <p:cNvGrpSpPr/>
+        <p:nvPr/>
+      </p:nvGrpSpPr>
+      <p:grpSpPr>
+        <a:xfrm>
+          <a:off x="0" y="0"/>
+          <a:ext cx="0" cy="0"/>
+          <a:chOff x="0" y="0"/>
+          <a:chExt cx="0" cy="0"/>
+        </a:xfrm>
+      </p:grpSpPr>
+      <p:sp>
+        <p:nvSpPr>
+          <p:cNvPr id="2" name="TextBox 1"/>
+          <p:cNvSpPr txBox="1"/>
+          <p:nvPr/>
+        </p:nvSpPr>
+        <p:spPr>
+          <a:xfrm>
+            <a:off x="838200" y="-64532"/>
+            <a:ext cx="7105856" cy="369332"/>
+          </a:xfrm>
+          <a:prstGeom prst="rect">
+            <a:avLst/>
+          </a:prstGeom>
+          <a:noFill/>
+        </p:spPr>
+        <p:txBody>
+          <a:bodyPr wrap="none" rtlCol="0">
+            <a:spAutoFit/>
+          </a:bodyPr>
+          <a:lstStyle/>
+          <a:p>
+            <a:r>
+              <a:rPr lang="en-US" dirty="0" smtClean="0"/>
+              <a:t>But our adjusted variance is above the mean (because we forced it to be!)</a:t>
+            </a:r>
+            <a:endParaRPr lang="en-US" dirty="0"/>
+          </a:p>
+        </p:txBody>
+      </p:sp>
+      <p:pic>
+        <p:nvPicPr>
+          <p:cNvPr id="3075" name="Picture 3"/>
+          <p:cNvPicPr>
+            <a:picLocks noChangeAspect="1" noChangeArrowheads="1"/>
+          </p:cNvPicPr>
+          <p:nvPr/>
+        </p:nvPicPr>
+        <p:blipFill>
+          <a:blip r:embed="rId2" cstate="print"/>
+          <a:srcRect/>
+          <a:stretch>
+            <a:fillRect/>
+          </a:stretch>
+        </p:blipFill>
+        <p:spPr bwMode="auto">
+          <a:xfrm>
+            <a:off x="152400" y="2850903"/>
+            <a:ext cx="8610600" cy="4007097"/>
+          </a:xfrm>
+          <a:prstGeom prst="rect">
+            <a:avLst/>
+          </a:prstGeom>
+          <a:noFill/>
+          <a:ln w="9525">
+            <a:noFill/>
+            <a:miter lim="800000"/>
+            <a:headEnd/>
+            <a:tailEnd/>
+          </a:ln>
+        </p:spPr>
+      </p:pic>
+      <p:pic>
+        <p:nvPicPr>
+          <p:cNvPr id="3076" name="Picture 4"/>
+          <p:cNvPicPr>
+            <a:picLocks noChangeAspect="1" noChangeArrowheads="1"/>
+          </p:cNvPicPr>
+          <p:nvPr/>
+        </p:nvPicPr>
+        <p:blipFill>
+          <a:blip r:embed="rId3" cstate="print"/>
+          <a:srcRect/>
+          <a:stretch>
+            <a:fillRect/>
+          </a:stretch>
+        </p:blipFill>
+        <p:spPr bwMode="auto">
+          <a:xfrm>
+            <a:off x="1371601" y="267822"/>
+            <a:ext cx="5867400" cy="2856378"/>
+          </a:xfrm>
+          <a:prstGeom prst="rect">
+            <a:avLst/>
+          </a:prstGeom>
+          <a:noFill/>
+          <a:ln w="9525">
+            <a:noFill/>
+            <a:miter lim="800000"/>
+            <a:headEnd/>
+            <a:tailEnd/>
+          </a:ln>
+        </p:spPr>
+      </p:pic>
+    </p:spTree>
+  </p:cSld>
+  <p:clrMapOvr>
+    <a:masterClrMapping/>
+  </p:clrMapOvr>
+</p:sld>
+</file>
+
+<file path=ppt/slides/slide34.xml><?xml version="1.0" encoding="utf-8"?>
+<p:sld xmlns:a="http://schemas.openxmlformats.org/drawingml/2006/main" xmlns:r="http://schemas.openxmlformats.org/officeDocument/2006/relationships" xmlns:p="http://schemas.openxmlformats.org/presentationml/2006/main">
+  <p:cSld>
+    <p:spTree>
+      <p:nvGrpSpPr>
+        <p:cNvPr id="1" name=""/>
+        <p:cNvGrpSpPr/>
+        <p:nvPr/>
+      </p:nvGrpSpPr>
+      <p:grpSpPr>
+        <a:xfrm>
+          <a:off x="0" y="0"/>
+          <a:ext cx="0" cy="0"/>
+          <a:chOff x="0" y="0"/>
+          <a:chExt cx="0" cy="0"/>
+        </a:xfrm>
+      </p:grpSpPr>
+      <p:sp>
+        <p:nvSpPr>
+          <p:cNvPr id="2" name="TextBox 1"/>
+          <p:cNvSpPr txBox="1"/>
+          <p:nvPr/>
+        </p:nvSpPr>
+        <p:spPr>
+          <a:xfrm>
+            <a:off x="533400" y="152400"/>
+            <a:ext cx="7964232" cy="646331"/>
+          </a:xfrm>
+          <a:prstGeom prst="rect">
+            <a:avLst/>
+          </a:prstGeom>
+          <a:noFill/>
+        </p:spPr>
+        <p:txBody>
+          <a:bodyPr wrap="none" rtlCol="0">
+            <a:spAutoFit/>
+          </a:bodyPr>
+          <a:lstStyle/>
+          <a:p>
+            <a:r>
+              <a:rPr lang="en-US" dirty="0" smtClean="0"/>
+              <a:t>This procedure belongs in a long history of adding small constants to the variance…</a:t>
+            </a:r>
+          </a:p>
+          <a:p>
+            <a:r>
+              <a:rPr lang="en-US" dirty="0" smtClean="0"/>
+              <a:t>(which often seems poorly justified by theory…)</a:t>
+            </a:r>
+            <a:endParaRPr lang="en-US" dirty="0"/>
+          </a:p>
+        </p:txBody>
+      </p:sp>
+      <p:pic>
+        <p:nvPicPr>
+          <p:cNvPr id="4098" name="Picture 2"/>
+          <p:cNvPicPr>
+            <a:picLocks noChangeAspect="1" noChangeArrowheads="1"/>
+          </p:cNvPicPr>
+          <p:nvPr/>
+        </p:nvPicPr>
+        <p:blipFill>
+          <a:blip r:embed="rId2" cstate="print"/>
+          <a:srcRect/>
+          <a:stretch>
+            <a:fillRect/>
+          </a:stretch>
+        </p:blipFill>
+        <p:spPr bwMode="auto">
+          <a:xfrm>
+            <a:off x="381000" y="838200"/>
+            <a:ext cx="3009900" cy="4010025"/>
+          </a:xfrm>
+          <a:prstGeom prst="rect">
+            <a:avLst/>
+          </a:prstGeom>
+          <a:noFill/>
+          <a:ln w="9525">
+            <a:noFill/>
+            <a:miter lim="800000"/>
+            <a:headEnd/>
+            <a:tailEnd/>
+          </a:ln>
+        </p:spPr>
+      </p:pic>
+      <p:pic>
+        <p:nvPicPr>
+          <p:cNvPr id="4099" name="Picture 3"/>
+          <p:cNvPicPr>
+            <a:picLocks noChangeAspect="1" noChangeArrowheads="1"/>
+          </p:cNvPicPr>
+          <p:nvPr/>
+        </p:nvPicPr>
+        <p:blipFill>
+          <a:blip r:embed="rId3" cstate="print"/>
+          <a:srcRect/>
+          <a:stretch>
+            <a:fillRect/>
+          </a:stretch>
+        </p:blipFill>
+        <p:spPr bwMode="auto">
+          <a:xfrm>
+            <a:off x="2209800" y="5181600"/>
+            <a:ext cx="6096000" cy="1438275"/>
+          </a:xfrm>
+          <a:prstGeom prst="rect">
+            <a:avLst/>
+          </a:prstGeom>
+          <a:noFill/>
+          <a:ln w="9525">
+            <a:noFill/>
+            <a:miter lim="800000"/>
+            <a:headEnd/>
+            <a:tailEnd/>
+          </a:ln>
+        </p:spPr>
+      </p:pic>
+      <p:cxnSp>
+        <p:nvCxnSpPr>
+          <p:cNvPr id="10" name="Straight Arrow Connector 9"/>
+          <p:cNvCxnSpPr/>
+          <p:nvPr/>
+        </p:nvCxnSpPr>
+        <p:spPr>
+          <a:xfrm flipH="1">
+            <a:off x="3124200" y="4800600"/>
+            <a:ext cx="533400" cy="0"/>
+          </a:xfrm>
+          <a:prstGeom prst="straightConnector1">
+            <a:avLst/>
+          </a:prstGeom>
+          <a:ln>
+            <a:tailEnd type="arrow"/>
+          </a:ln>
+        </p:spPr>
+        <p:style>
+          <a:lnRef idx="1">
+            <a:schemeClr val="accent1"/>
+          </a:lnRef>
+          <a:fillRef idx="0">
+            <a:schemeClr val="accent1"/>
+          </a:fillRef>
+          <a:effectRef idx="0">
+            <a:schemeClr val="accent1"/>
+          </a:effectRef>
+          <a:fontRef idx="minor">
+            <a:schemeClr val="tx1"/>
+          </a:fontRef>
+        </p:style>
+      </p:cxnSp>
+      <p:sp>
+        <p:nvSpPr>
+          <p:cNvPr id="11" name="TextBox 10"/>
+          <p:cNvSpPr txBox="1"/>
+          <p:nvPr/>
+        </p:nvSpPr>
+        <p:spPr>
+          <a:xfrm flipH="1">
+            <a:off x="3581400" y="4572000"/>
+            <a:ext cx="4831081" cy="369332"/>
+          </a:xfrm>
+          <a:prstGeom prst="rect">
+            <a:avLst/>
+          </a:prstGeom>
+          <a:noFill/>
+        </p:spPr>
+        <p:txBody>
+          <a:bodyPr wrap="square" rtlCol="0">
+            <a:spAutoFit/>
+          </a:bodyPr>
+          <a:lstStyle/>
+          <a:p>
+            <a:r>
+              <a:rPr lang="en-US" dirty="0" smtClean="0"/>
+              <a:t>Adding an arbitrary damper to the variance</a:t>
+            </a:r>
+            <a:endParaRPr lang="en-US" dirty="0"/>
+          </a:p>
+        </p:txBody>
+      </p:sp>
+      <p:sp>
+        <p:nvSpPr>
+          <p:cNvPr id="12" name="TextBox 11"/>
+          <p:cNvSpPr txBox="1"/>
+          <p:nvPr/>
+        </p:nvSpPr>
+        <p:spPr>
+          <a:xfrm>
+            <a:off x="356422" y="5867400"/>
+            <a:ext cx="1700978" cy="369332"/>
+          </a:xfrm>
+          <a:prstGeom prst="rect">
+            <a:avLst/>
+          </a:prstGeom>
+          <a:noFill/>
+        </p:spPr>
+        <p:txBody>
+          <a:bodyPr wrap="none" rtlCol="0">
+            <a:spAutoFit/>
+          </a:bodyPr>
+          <a:lstStyle/>
+          <a:p>
+            <a:r>
+              <a:rPr lang="en-US" dirty="0" smtClean="0"/>
+              <a:t>(</a:t>
+            </a:r>
+            <a:r>
+              <a:rPr lang="en-US" smtClean="0"/>
+              <a:t>9,951 citations)</a:t>
+            </a:r>
+            <a:endParaRPr lang="en-US"/>
+          </a:p>
+        </p:txBody>
+      </p:sp>
+    </p:spTree>
+  </p:cSld>
+  <p:clrMapOvr>
+    <a:masterClrMapping/>
+  </p:clrMapOvr>
+</p:sld>
+</file>
+
+<file path=ppt/slides/slide35.xml><?xml version="1.0" encoding="utf-8"?>
+<p:sld xmlns:a="http://schemas.openxmlformats.org/drawingml/2006/main" xmlns:r="http://schemas.openxmlformats.org/officeDocument/2006/relationships" xmlns:p="http://schemas.openxmlformats.org/presentationml/2006/main">
+  <p:cSld>
+    <p:spTree>
+      <p:nvGrpSpPr>
+        <p:cNvPr id="1" name=""/>
+        <p:cNvGrpSpPr/>
+        <p:nvPr/>
+      </p:nvGrpSpPr>
+      <p:grpSpPr>
+        <a:xfrm>
+          <a:off x="0" y="0"/>
+          <a:ext cx="0" cy="0"/>
+          <a:chOff x="0" y="0"/>
+          <a:chExt cx="0" cy="0"/>
+        </a:xfrm>
+      </p:grpSpPr>
+      <p:pic>
+        <p:nvPicPr>
+          <p:cNvPr id="2" name="Picture 4"/>
+          <p:cNvPicPr>
+            <a:picLocks noChangeAspect="1" noChangeArrowheads="1"/>
+          </p:cNvPicPr>
+          <p:nvPr/>
+        </p:nvPicPr>
+        <p:blipFill>
+          <a:blip r:embed="rId2" cstate="print"/>
+          <a:srcRect/>
+          <a:stretch>
+            <a:fillRect/>
+          </a:stretch>
+        </p:blipFill>
+        <p:spPr bwMode="auto">
+          <a:xfrm>
+            <a:off x="228600" y="533399"/>
+            <a:ext cx="7162800" cy="6108277"/>
+          </a:xfrm>
+          <a:prstGeom prst="rect">
+            <a:avLst/>
+          </a:prstGeom>
+          <a:noFill/>
+          <a:ln w="9525">
+            <a:noFill/>
+            <a:miter lim="800000"/>
+            <a:headEnd/>
+            <a:tailEnd/>
+          </a:ln>
+        </p:spPr>
+      </p:pic>
+      <p:cxnSp>
+        <p:nvCxnSpPr>
+          <p:cNvPr id="4" name="Straight Arrow Connector 3"/>
+          <p:cNvCxnSpPr/>
+          <p:nvPr/>
+        </p:nvCxnSpPr>
+        <p:spPr>
+          <a:xfrm flipH="1" flipV="1">
+            <a:off x="3200400" y="5791200"/>
+            <a:ext cx="685800" cy="304800"/>
+          </a:xfrm>
+          <a:prstGeom prst="straightConnector1">
+            <a:avLst/>
+          </a:prstGeom>
+          <a:ln>
+            <a:tailEnd type="arrow"/>
+          </a:ln>
+        </p:spPr>
+        <p:style>
+          <a:lnRef idx="1">
+            <a:schemeClr val="accent1"/>
+          </a:lnRef>
+          <a:fillRef idx="0">
+            <a:schemeClr val="accent1"/>
+          </a:fillRef>
+          <a:effectRef idx="0">
+            <a:schemeClr val="accent1"/>
+          </a:effectRef>
+          <a:fontRef idx="minor">
+            <a:schemeClr val="tx1"/>
+          </a:fontRef>
+        </p:style>
+      </p:cxnSp>
+      <p:sp>
+        <p:nvSpPr>
+          <p:cNvPr id="5" name="TextBox 4"/>
+          <p:cNvSpPr txBox="1"/>
+          <p:nvPr/>
+        </p:nvSpPr>
+        <p:spPr>
+          <a:xfrm>
+            <a:off x="3886200" y="6096000"/>
+            <a:ext cx="4243854" cy="369332"/>
+          </a:xfrm>
+          <a:prstGeom prst="rect">
+            <a:avLst/>
+          </a:prstGeom>
+          <a:noFill/>
+        </p:spPr>
+        <p:txBody>
+          <a:bodyPr wrap="none" rtlCol="0">
+            <a:spAutoFit/>
+          </a:bodyPr>
+          <a:lstStyle/>
+          <a:p>
+            <a:r>
+              <a:rPr lang="en-US" dirty="0" smtClean="0"/>
+              <a:t>Adding an arbitrary damper to the variance</a:t>
+            </a:r>
+            <a:endParaRPr lang="en-US" dirty="0"/>
+          </a:p>
+        </p:txBody>
+      </p:sp>
+    </p:spTree>
+  </p:cSld>
+  <p:clrMapOvr>
+    <a:masterClrMapping/>
+  </p:clrMapOvr>
+</p:sld>
+</file>
+
+<file path=ppt/slides/slide36.xml><?xml version="1.0" encoding="utf-8"?>
+<p:sld xmlns:a="http://schemas.openxmlformats.org/drawingml/2006/main" xmlns:r="http://schemas.openxmlformats.org/officeDocument/2006/relationships" xmlns:p="http://schemas.openxmlformats.org/presentationml/2006/main">
+  <p:cSld>
+    <p:spTree>
+      <p:nvGrpSpPr>
+        <p:cNvPr id="1" name=""/>
+        <p:cNvGrpSpPr/>
+        <p:nvPr/>
+      </p:nvGrpSpPr>
+      <p:grpSpPr>
+        <a:xfrm>
+          <a:off x="0" y="0"/>
+          <a:ext cx="0" cy="0"/>
+          <a:chOff x="0" y="0"/>
+          <a:chExt cx="0" cy="0"/>
+        </a:xfrm>
+      </p:grpSpPr>
+      <p:sp>
+        <p:nvSpPr>
+          <p:cNvPr id="2" name="TextBox 1"/>
+          <p:cNvSpPr txBox="1"/>
+          <p:nvPr/>
+        </p:nvSpPr>
+        <p:spPr>
+          <a:xfrm>
+            <a:off x="0" y="304800"/>
+            <a:ext cx="9144000" cy="2862322"/>
+          </a:xfrm>
+          <a:prstGeom prst="rect">
+            <a:avLst/>
+          </a:prstGeom>
+          <a:noFill/>
+        </p:spPr>
+        <p:txBody>
+          <a:bodyPr wrap="square" rtlCol="0">
+            <a:spAutoFit/>
+          </a:bodyPr>
+          <a:lstStyle/>
+          <a:p>
+            <a:r>
+              <a:rPr lang="en-US" dirty="0" smtClean="0"/>
+              <a:t>Next time:</a:t>
+            </a:r>
+          </a:p>
+          <a:p>
+            <a:endParaRPr lang="en-US" dirty="0" smtClean="0"/>
+          </a:p>
+          <a:p>
+            <a:r>
+              <a:rPr lang="en-US" dirty="0" smtClean="0"/>
+              <a:t>	Now that we have the mean and the variance, how do we use the</a:t>
+            </a:r>
+          </a:p>
+          <a:p>
+            <a:r>
+              <a:rPr lang="en-US" dirty="0" smtClean="0"/>
+              <a:t>	negative binomial distribution to calculate p-values?</a:t>
+            </a:r>
+          </a:p>
+          <a:p>
+            <a:endParaRPr lang="en-US" dirty="0" smtClean="0"/>
+          </a:p>
+          <a:p>
+            <a:r>
+              <a:rPr lang="en-US" dirty="0" smtClean="0"/>
+              <a:t>	Also, although all </a:t>
+            </a:r>
+            <a:r>
+              <a:rPr lang="en-US" dirty="0" smtClean="0"/>
+              <a:t>the math we have just done is </a:t>
+            </a:r>
+            <a:r>
+              <a:rPr lang="en-US" dirty="0" smtClean="0"/>
+              <a:t>in the paper, that is not how</a:t>
+            </a:r>
+          </a:p>
+          <a:p>
+            <a:r>
+              <a:rPr lang="en-US" dirty="0" smtClean="0"/>
+              <a:t>	</a:t>
+            </a:r>
+            <a:r>
+              <a:rPr lang="en-US" dirty="0" err="1" smtClean="0"/>
+              <a:t>DeSeq</a:t>
+            </a:r>
+            <a:r>
+              <a:rPr lang="en-US" dirty="0" smtClean="0"/>
               <a:t> actually calculates the variances!!</a:t>
             </a:r>
           </a:p>
           <a:p>
             <a:r>
               <a:rPr lang="en-US" dirty="0" smtClean="0"/>
-              <a:t>	</a:t>
-            </a:r>
-            <a:r>
-              <a:rPr lang="en-US" dirty="0" smtClean="0"/>
-              <a:t>Why not?  How does variance </a:t>
-            </a:r>
-            <a:r>
-              <a:rPr lang="en-US" smtClean="0"/>
-              <a:t>get calculated?</a:t>
-            </a:r>
-            <a:endParaRPr lang="en-US" dirty="0" smtClean="0"/>
+              <a:t>	Why not?  How does variance get calculated?</a:t>
+            </a:r>
           </a:p>
           <a:p>
             <a:endParaRPr lang="en-US" dirty="0" smtClean="0"/>

--- a/classes/stats2015/Lecture10.pptx
+++ b/classes/stats2015/Lecture10.pptx
@@ -5,7 +5,7 @@
     <p:sldMasterId id="2147483648" r:id="rId1"/>
   </p:sldMasterIdLst>
   <p:notesMasterIdLst>
-    <p:notesMasterId r:id="rId38"/>
+    <p:notesMasterId r:id="rId31"/>
   </p:notesMasterIdLst>
   <p:sldIdLst>
     <p:sldId id="256" r:id="rId2"/>
@@ -36,14 +36,7 @@
     <p:sldId id="284" r:id="rId27"/>
     <p:sldId id="285" r:id="rId28"/>
     <p:sldId id="286" r:id="rId29"/>
-    <p:sldId id="287" r:id="rId30"/>
-    <p:sldId id="289" r:id="rId31"/>
-    <p:sldId id="290" r:id="rId32"/>
-    <p:sldId id="294" r:id="rId33"/>
-    <p:sldId id="291" r:id="rId34"/>
-    <p:sldId id="292" r:id="rId35"/>
-    <p:sldId id="293" r:id="rId36"/>
-    <p:sldId id="288" r:id="rId37"/>
+    <p:sldId id="288" r:id="rId30"/>
   </p:sldIdLst>
   <p:sldSz cx="9144000" cy="6858000" type="screen4x3"/>
   <p:notesSz cx="6858000" cy="9144000"/>
@@ -228,7 +221,7 @@
             <a:fld id="{AABD6A49-7987-48E0-90DF-8C2FFA45CE95}" type="datetimeFigureOut">
               <a:rPr lang="en-US" smtClean="0"/>
               <a:pPr/>
-              <a:t>2/18/2015</a:t>
+              <a:t>2/21/2015</a:t>
             </a:fld>
             <a:endParaRPr lang="en-US"/>
           </a:p>
@@ -1168,7 +1161,7 @@
             <a:fld id="{1D8BD707-D9CF-40AE-B4C6-C98DA3205C09}" type="datetimeFigureOut">
               <a:rPr lang="en-US" smtClean="0"/>
               <a:pPr/>
-              <a:t>2/18/2015</a:t>
+              <a:t>2/21/2015</a:t>
             </a:fld>
             <a:endParaRPr lang="en-US"/>
           </a:p>
@@ -1335,7 +1328,7 @@
             <a:fld id="{1D8BD707-D9CF-40AE-B4C6-C98DA3205C09}" type="datetimeFigureOut">
               <a:rPr lang="en-US" smtClean="0"/>
               <a:pPr/>
-              <a:t>2/18/2015</a:t>
+              <a:t>2/21/2015</a:t>
             </a:fld>
             <a:endParaRPr lang="en-US"/>
           </a:p>
@@ -1512,7 +1505,7 @@
             <a:fld id="{1D8BD707-D9CF-40AE-B4C6-C98DA3205C09}" type="datetimeFigureOut">
               <a:rPr lang="en-US" smtClean="0"/>
               <a:pPr/>
-              <a:t>2/18/2015</a:t>
+              <a:t>2/21/2015</a:t>
             </a:fld>
             <a:endParaRPr lang="en-US"/>
           </a:p>
@@ -1679,7 +1672,7 @@
             <a:fld id="{1D8BD707-D9CF-40AE-B4C6-C98DA3205C09}" type="datetimeFigureOut">
               <a:rPr lang="en-US" smtClean="0"/>
               <a:pPr/>
-              <a:t>2/18/2015</a:t>
+              <a:t>2/21/2015</a:t>
             </a:fld>
             <a:endParaRPr lang="en-US"/>
           </a:p>
@@ -1922,7 +1915,7 @@
             <a:fld id="{1D8BD707-D9CF-40AE-B4C6-C98DA3205C09}" type="datetimeFigureOut">
               <a:rPr lang="en-US" smtClean="0"/>
               <a:pPr/>
-              <a:t>2/18/2015</a:t>
+              <a:t>2/21/2015</a:t>
             </a:fld>
             <a:endParaRPr lang="en-US"/>
           </a:p>
@@ -2207,7 +2200,7 @@
             <a:fld id="{1D8BD707-D9CF-40AE-B4C6-C98DA3205C09}" type="datetimeFigureOut">
               <a:rPr lang="en-US" smtClean="0"/>
               <a:pPr/>
-              <a:t>2/18/2015</a:t>
+              <a:t>2/21/2015</a:t>
             </a:fld>
             <a:endParaRPr lang="en-US"/>
           </a:p>
@@ -2626,7 +2619,7 @@
             <a:fld id="{1D8BD707-D9CF-40AE-B4C6-C98DA3205C09}" type="datetimeFigureOut">
               <a:rPr lang="en-US" smtClean="0"/>
               <a:pPr/>
-              <a:t>2/18/2015</a:t>
+              <a:t>2/21/2015</a:t>
             </a:fld>
             <a:endParaRPr lang="en-US"/>
           </a:p>
@@ -2741,7 +2734,7 @@
             <a:fld id="{1D8BD707-D9CF-40AE-B4C6-C98DA3205C09}" type="datetimeFigureOut">
               <a:rPr lang="en-US" smtClean="0"/>
               <a:pPr/>
-              <a:t>2/18/2015</a:t>
+              <a:t>2/21/2015</a:t>
             </a:fld>
             <a:endParaRPr lang="en-US"/>
           </a:p>
@@ -2833,7 +2826,7 @@
             <a:fld id="{1D8BD707-D9CF-40AE-B4C6-C98DA3205C09}" type="datetimeFigureOut">
               <a:rPr lang="en-US" smtClean="0"/>
               <a:pPr/>
-              <a:t>2/18/2015</a:t>
+              <a:t>2/21/2015</a:t>
             </a:fld>
             <a:endParaRPr lang="en-US"/>
           </a:p>
@@ -3107,7 +3100,7 @@
             <a:fld id="{1D8BD707-D9CF-40AE-B4C6-C98DA3205C09}" type="datetimeFigureOut">
               <a:rPr lang="en-US" smtClean="0"/>
               <a:pPr/>
-              <a:t>2/18/2015</a:t>
+              <a:t>2/21/2015</a:t>
             </a:fld>
             <a:endParaRPr lang="en-US"/>
           </a:p>
@@ -3357,7 +3350,7 @@
             <a:fld id="{1D8BD707-D9CF-40AE-B4C6-C98DA3205C09}" type="datetimeFigureOut">
               <a:rPr lang="en-US" smtClean="0"/>
               <a:pPr/>
-              <a:t>2/18/2015</a:t>
+              <a:t>2/21/2015</a:t>
             </a:fld>
             <a:endParaRPr lang="en-US"/>
           </a:p>
@@ -3567,7 +3560,7 @@
             <a:fld id="{1D8BD707-D9CF-40AE-B4C6-C98DA3205C09}" type="datetimeFigureOut">
               <a:rPr lang="en-US" smtClean="0"/>
               <a:pPr/>
-              <a:t>2/18/2015</a:t>
+              <a:t>2/21/2015</a:t>
             </a:fld>
             <a:endParaRPr lang="en-US"/>
           </a:p>
@@ -5237,14 +5230,16 @@
                 <a:latin typeface="Arial" pitchFamily="34" charset="0"/>
                 <a:cs typeface="Arial" pitchFamily="34" charset="0"/>
               </a:rPr>
-              <a:t>	(ii) choose a strategy to estimate mean and variance for each gene</a:t>
-            </a:r>
+              <a:t>	(ii) choose a strategy to estimate mean and variance for each gene.</a:t>
+            </a:r>
+          </a:p>
+          <a:p>
             <a:r>
               <a:rPr lang="en-US" sz="1600" dirty="0" smtClean="0">
                 <a:latin typeface="Arial" pitchFamily="34" charset="0"/>
                 <a:cs typeface="Arial" pitchFamily="34" charset="0"/>
               </a:rPr>
-              <a:t>.</a:t>
+              <a:t>	(iii) use those means and variances to produce p-values from the negative binomial </a:t>
             </a:r>
           </a:p>
           <a:p>
@@ -5253,35 +5248,8 @@
                 <a:latin typeface="Arial" pitchFamily="34" charset="0"/>
                 <a:cs typeface="Arial" pitchFamily="34" charset="0"/>
               </a:rPr>
-              <a:t>	</a:t>
-            </a:r>
-            <a:r>
-              <a:rPr lang="en-US" sz="1600" dirty="0" smtClean="0">
-                <a:latin typeface="Arial" pitchFamily="34" charset="0"/>
-                <a:cs typeface="Arial" pitchFamily="34" charset="0"/>
-              </a:rPr>
-              <a:t>(iii) use those means and variances to produce p-values from the negative binomial </a:t>
-            </a:r>
-          </a:p>
-          <a:p>
-            <a:r>
-              <a:rPr lang="en-US" sz="1600" dirty="0" smtClean="0">
-                <a:latin typeface="Arial" pitchFamily="34" charset="0"/>
-                <a:cs typeface="Arial" pitchFamily="34" charset="0"/>
-              </a:rPr>
-              <a:t>	</a:t>
-            </a:r>
-            <a:r>
-              <a:rPr lang="en-US" sz="1600" dirty="0" smtClean="0">
-                <a:latin typeface="Arial" pitchFamily="34" charset="0"/>
-                <a:cs typeface="Arial" pitchFamily="34" charset="0"/>
-              </a:rPr>
-              <a:t>      distribution</a:t>
-            </a:r>
-            <a:endParaRPr lang="en-US" sz="1600" dirty="0" smtClean="0">
-              <a:latin typeface="Arial" pitchFamily="34" charset="0"/>
-              <a:cs typeface="Arial" pitchFamily="34" charset="0"/>
-            </a:endParaRPr>
+              <a:t>	      distribution</a:t>
+            </a:r>
           </a:p>
           <a:p>
             <a:endParaRPr lang="en-US" dirty="0" smtClean="0"/>
@@ -8399,8 +8367,8 @@
         </p:nvSpPr>
         <p:spPr>
           <a:xfrm>
-            <a:off x="457200" y="2819400"/>
-            <a:ext cx="3595728" cy="1754326"/>
+            <a:off x="457200" y="2286000"/>
+            <a:ext cx="3595728" cy="4247317"/>
           </a:xfrm>
           <a:prstGeom prst="rect">
             <a:avLst/>
@@ -8444,6 +8412,72 @@
               <a:rPr lang="en-US" dirty="0" smtClean="0"/>
               <a:t>I have struggled with it…)</a:t>
             </a:r>
+          </a:p>
+          <a:p>
+            <a:endParaRPr lang="en-US" dirty="0" smtClean="0"/>
+          </a:p>
+          <a:p>
+            <a:r>
+              <a:rPr lang="en-US" dirty="0" smtClean="0"/>
+              <a:t>We will compare </a:t>
+            </a:r>
+            <a:r>
+              <a:rPr lang="en-US" dirty="0" err="1" smtClean="0"/>
+              <a:t>DeSeq’s</a:t>
+            </a:r>
+            <a:r>
+              <a:rPr lang="en-US" dirty="0" smtClean="0"/>
+              <a:t> estimated</a:t>
+            </a:r>
+          </a:p>
+          <a:p>
+            <a:r>
+              <a:rPr lang="en-US" dirty="0" smtClean="0"/>
+              <a:t>variances with </a:t>
+            </a:r>
+            <a:r>
+              <a:rPr lang="en-US" dirty="0" err="1" smtClean="0"/>
+              <a:t>cannonical</a:t>
+            </a:r>
+            <a:r>
+              <a:rPr lang="en-US" dirty="0" smtClean="0"/>
+              <a:t> variance</a:t>
+            </a:r>
+          </a:p>
+          <a:p>
+            <a:r>
+              <a:rPr lang="en-US" dirty="0" smtClean="0"/>
+              <a:t>in the next lecture</a:t>
+            </a:r>
+            <a:r>
+              <a:rPr lang="en-US" dirty="0" smtClean="0"/>
+              <a:t>…</a:t>
+            </a:r>
+          </a:p>
+          <a:p>
+            <a:endParaRPr lang="en-US" dirty="0" smtClean="0"/>
+          </a:p>
+          <a:p>
+            <a:r>
+              <a:rPr lang="en-US" dirty="0" smtClean="0"/>
+              <a:t>So let’s, for now, just call this one of</a:t>
+            </a:r>
+          </a:p>
+          <a:p>
+            <a:r>
+              <a:rPr lang="en-US" dirty="0" smtClean="0"/>
+              <a:t>many formulas for the variance</a:t>
+            </a:r>
+          </a:p>
+          <a:p>
+            <a:r>
+              <a:rPr lang="en-US" dirty="0" smtClean="0"/>
+              <a:t>that we will see..</a:t>
+            </a:r>
+            <a:endParaRPr lang="en-US" dirty="0" smtClean="0"/>
+          </a:p>
+          <a:p>
+            <a:endParaRPr lang="en-US" dirty="0" smtClean="0"/>
           </a:p>
         </p:txBody>
       </p:sp>
@@ -8472,345 +8506,82 @@
           <a:chExt cx="0" cy="0"/>
         </a:xfrm>
       </p:grpSpPr>
-      <p:pic>
-        <p:nvPicPr>
-          <p:cNvPr id="6148" name="Picture 4"/>
-          <p:cNvPicPr>
-            <a:picLocks noChangeAspect="1" noChangeArrowheads="1"/>
-          </p:cNvPicPr>
-          <p:nvPr/>
-        </p:nvPicPr>
-        <p:blipFill>
-          <a:blip r:embed="rId2" cstate="print"/>
-          <a:srcRect/>
-          <a:stretch>
-            <a:fillRect/>
-          </a:stretch>
-        </p:blipFill>
-        <p:spPr bwMode="auto">
-          <a:xfrm>
-            <a:off x="228600" y="533399"/>
-            <a:ext cx="7162800" cy="6108277"/>
+      <p:sp>
+        <p:nvSpPr>
+          <p:cNvPr id="2" name="TextBox 1"/>
+          <p:cNvSpPr txBox="1"/>
+          <p:nvPr/>
+        </p:nvSpPr>
+        <p:spPr>
+          <a:xfrm>
+            <a:off x="0" y="304800"/>
+            <a:ext cx="9144000" cy="2308324"/>
           </a:xfrm>
           <a:prstGeom prst="rect">
             <a:avLst/>
           </a:prstGeom>
           <a:noFill/>
-          <a:ln w="9525">
-            <a:noFill/>
-            <a:miter lim="800000"/>
-            <a:headEnd/>
-            <a:tailEnd/>
-          </a:ln>
-        </p:spPr>
-      </p:pic>
-      <p:sp>
-        <p:nvSpPr>
-          <p:cNvPr id="4" name="TextBox 3"/>
-          <p:cNvSpPr txBox="1"/>
-          <p:nvPr/>
-        </p:nvSpPr>
-        <p:spPr>
-          <a:xfrm>
-            <a:off x="152400" y="-76200"/>
-            <a:ext cx="5243230" cy="646331"/>
-          </a:xfrm>
-          <a:prstGeom prst="rect">
-            <a:avLst/>
-          </a:prstGeom>
-          <a:noFill/>
-        </p:spPr>
-        <p:txBody>
-          <a:bodyPr wrap="none" rtlCol="0">
+        </p:spPr>
+        <p:txBody>
+          <a:bodyPr wrap="square" rtlCol="0">
             <a:spAutoFit/>
           </a:bodyPr>
           <a:lstStyle/>
           <a:p>
             <a:r>
               <a:rPr lang="en-US" dirty="0" smtClean="0"/>
-              <a:t>Here is a function that yields the means and variances</a:t>
-            </a:r>
-          </a:p>
-          <a:p>
-            <a:r>
-              <a:rPr lang="en-US" dirty="0" smtClean="0"/>
-              <a:t>for a range of columns</a:t>
+              <a:t>Next time:</a:t>
+            </a:r>
+          </a:p>
+          <a:p>
+            <a:endParaRPr lang="en-US" dirty="0" smtClean="0"/>
+          </a:p>
+          <a:p>
+            <a:r>
+              <a:rPr lang="en-US" dirty="0" smtClean="0"/>
+              <a:t>	Now that we have the mean and the variance, how do we use the</a:t>
+            </a:r>
+          </a:p>
+          <a:p>
+            <a:r>
+              <a:rPr lang="en-US" dirty="0" smtClean="0"/>
+              <a:t>	negative binomial distribution to calculate p-values?</a:t>
+            </a:r>
+          </a:p>
+          <a:p>
+            <a:endParaRPr lang="en-US" dirty="0" smtClean="0"/>
+          </a:p>
+          <a:p>
+            <a:r>
+              <a:rPr lang="en-US" dirty="0" smtClean="0"/>
+              <a:t>	</a:t>
+            </a:r>
+            <a:r>
+              <a:rPr lang="en-US" dirty="0" smtClean="0"/>
+              <a:t>What are the different ways the variance can get calculated in </a:t>
+            </a:r>
+            <a:r>
+              <a:rPr lang="en-US" dirty="0" err="1" smtClean="0"/>
+              <a:t>DeSeq</a:t>
+            </a:r>
+            <a:r>
+              <a:rPr lang="en-US" dirty="0" smtClean="0"/>
+              <a:t>?</a:t>
+            </a:r>
+            <a:endParaRPr lang="en-US" dirty="0" smtClean="0"/>
+          </a:p>
+          <a:p>
+            <a:endParaRPr lang="en-US" dirty="0" smtClean="0"/>
+          </a:p>
+          <a:p>
+            <a:r>
+              <a:rPr lang="en-US" dirty="0" smtClean="0"/>
+              <a:t>	</a:t>
             </a:r>
             <a:endParaRPr lang="en-US" dirty="0"/>
           </a:p>
         </p:txBody>
       </p:sp>
-      <p:pic>
-        <p:nvPicPr>
-          <p:cNvPr id="5" name="Picture 4"/>
-          <p:cNvPicPr>
-            <a:picLocks noChangeAspect="1" noChangeArrowheads="1"/>
-          </p:cNvPicPr>
-          <p:nvPr/>
-        </p:nvPicPr>
-        <p:blipFill>
-          <a:blip r:embed="rId3" cstate="print"/>
-          <a:srcRect/>
-          <a:stretch>
-            <a:fillRect/>
-          </a:stretch>
-        </p:blipFill>
-        <p:spPr bwMode="auto">
-          <a:xfrm>
-            <a:off x="5638800" y="152400"/>
-            <a:ext cx="3343275" cy="3676650"/>
-          </a:xfrm>
-          <a:prstGeom prst="rect">
-            <a:avLst/>
-          </a:prstGeom>
-          <a:noFill/>
-          <a:ln w="9525">
-            <a:noFill/>
-            <a:miter lim="800000"/>
-            <a:headEnd/>
-            <a:tailEnd/>
-          </a:ln>
-        </p:spPr>
-      </p:pic>
-      <p:cxnSp>
-        <p:nvCxnSpPr>
-          <p:cNvPr id="14" name="Straight Arrow Connector 13"/>
-          <p:cNvCxnSpPr/>
-          <p:nvPr/>
-        </p:nvCxnSpPr>
-        <p:spPr>
-          <a:xfrm flipV="1">
-            <a:off x="3352800" y="990600"/>
-            <a:ext cx="2514600" cy="1600200"/>
-          </a:xfrm>
-          <a:prstGeom prst="straightConnector1">
-            <a:avLst/>
-          </a:prstGeom>
-          <a:ln>
-            <a:tailEnd type="arrow"/>
-          </a:ln>
-        </p:spPr>
-        <p:style>
-          <a:lnRef idx="1">
-            <a:schemeClr val="accent1"/>
-          </a:lnRef>
-          <a:fillRef idx="0">
-            <a:schemeClr val="accent1"/>
-          </a:fillRef>
-          <a:effectRef idx="0">
-            <a:schemeClr val="accent1"/>
-          </a:effectRef>
-          <a:fontRef idx="minor">
-            <a:schemeClr val="tx1"/>
-          </a:fontRef>
-        </p:style>
-      </p:cxnSp>
-      <p:cxnSp>
-        <p:nvCxnSpPr>
-          <p:cNvPr id="16" name="Straight Arrow Connector 15"/>
-          <p:cNvCxnSpPr/>
-          <p:nvPr/>
-        </p:nvCxnSpPr>
-        <p:spPr>
-          <a:xfrm flipV="1">
-            <a:off x="3733800" y="2286000"/>
-            <a:ext cx="2133600" cy="1676400"/>
-          </a:xfrm>
-          <a:prstGeom prst="straightConnector1">
-            <a:avLst/>
-          </a:prstGeom>
-          <a:ln>
-            <a:tailEnd type="arrow"/>
-          </a:ln>
-        </p:spPr>
-        <p:style>
-          <a:lnRef idx="1">
-            <a:schemeClr val="accent1"/>
-          </a:lnRef>
-          <a:fillRef idx="0">
-            <a:schemeClr val="accent1"/>
-          </a:fillRef>
-          <a:effectRef idx="0">
-            <a:schemeClr val="accent1"/>
-          </a:effectRef>
-          <a:fontRef idx="minor">
-            <a:schemeClr val="tx1"/>
-          </a:fontRef>
-        </p:style>
-      </p:cxnSp>
-      <p:cxnSp>
-        <p:nvCxnSpPr>
-          <p:cNvPr id="18" name="Straight Arrow Connector 17"/>
-          <p:cNvCxnSpPr/>
-          <p:nvPr/>
-        </p:nvCxnSpPr>
-        <p:spPr>
-          <a:xfrm flipV="1">
-            <a:off x="4267200" y="3048000"/>
-            <a:ext cx="1676400" cy="1676400"/>
-          </a:xfrm>
-          <a:prstGeom prst="straightConnector1">
-            <a:avLst/>
-          </a:prstGeom>
-          <a:ln>
-            <a:tailEnd type="arrow"/>
-          </a:ln>
-        </p:spPr>
-        <p:style>
-          <a:lnRef idx="1">
-            <a:schemeClr val="accent1"/>
-          </a:lnRef>
-          <a:fillRef idx="0">
-            <a:schemeClr val="accent1"/>
-          </a:fillRef>
-          <a:effectRef idx="0">
-            <a:schemeClr val="accent1"/>
-          </a:effectRef>
-          <a:fontRef idx="minor">
-            <a:schemeClr val="tx1"/>
-          </a:fontRef>
-        </p:style>
-      </p:cxnSp>
-      <p:cxnSp>
-        <p:nvCxnSpPr>
-          <p:cNvPr id="20" name="Straight Arrow Connector 19"/>
-          <p:cNvCxnSpPr/>
-          <p:nvPr/>
-        </p:nvCxnSpPr>
-        <p:spPr>
-          <a:xfrm flipH="1" flipV="1">
-            <a:off x="4800600" y="5562600"/>
-            <a:ext cx="381000" cy="381000"/>
-          </a:xfrm>
-          <a:prstGeom prst="straightConnector1">
-            <a:avLst/>
-          </a:prstGeom>
-          <a:ln>
-            <a:tailEnd type="arrow"/>
-          </a:ln>
-        </p:spPr>
-        <p:style>
-          <a:lnRef idx="1">
-            <a:schemeClr val="accent1"/>
-          </a:lnRef>
-          <a:fillRef idx="0">
-            <a:schemeClr val="accent1"/>
-          </a:fillRef>
-          <a:effectRef idx="0">
-            <a:schemeClr val="accent1"/>
-          </a:effectRef>
-          <a:fontRef idx="minor">
-            <a:schemeClr val="tx1"/>
-          </a:fontRef>
-        </p:style>
-      </p:cxnSp>
-      <p:sp>
-        <p:nvSpPr>
-          <p:cNvPr id="21" name="TextBox 20"/>
-          <p:cNvSpPr txBox="1"/>
-          <p:nvPr/>
-        </p:nvSpPr>
-        <p:spPr>
-          <a:xfrm>
-            <a:off x="4572000" y="5867400"/>
-            <a:ext cx="3695499" cy="923330"/>
-          </a:xfrm>
-          <a:prstGeom prst="rect">
-            <a:avLst/>
-          </a:prstGeom>
-          <a:noFill/>
-        </p:spPr>
-        <p:txBody>
-          <a:bodyPr wrap="none" rtlCol="0">
-            <a:spAutoFit/>
-          </a:bodyPr>
-          <a:lstStyle/>
-          <a:p>
-            <a:r>
-              <a:rPr lang="en-US" dirty="0" smtClean="0"/>
-              <a:t>We force the shotgun noise to be &gt; 0 </a:t>
-            </a:r>
-          </a:p>
-          <a:p>
-            <a:r>
-              <a:rPr lang="en-US" dirty="0" smtClean="0"/>
-              <a:t>(or it will produce NAN’s in our </a:t>
-            </a:r>
-          </a:p>
-          <a:p>
-            <a:r>
-              <a:rPr lang="en-US" dirty="0" smtClean="0"/>
-              <a:t>negative binomial distribution!)</a:t>
-            </a:r>
-            <a:endParaRPr lang="en-US" dirty="0"/>
-          </a:p>
-        </p:txBody>
-      </p:sp>
-      <p:pic>
-        <p:nvPicPr>
-          <p:cNvPr id="6149" name="Picture 5"/>
-          <p:cNvPicPr>
-            <a:picLocks noChangeAspect="1" noChangeArrowheads="1"/>
-          </p:cNvPicPr>
-          <p:nvPr/>
-        </p:nvPicPr>
-        <p:blipFill>
-          <a:blip r:embed="rId4" cstate="print"/>
-          <a:srcRect/>
-          <a:stretch>
-            <a:fillRect/>
-          </a:stretch>
-        </p:blipFill>
-        <p:spPr bwMode="auto">
-          <a:xfrm>
-            <a:off x="5867400" y="4495800"/>
-            <a:ext cx="2057400" cy="523875"/>
-          </a:xfrm>
-          <a:prstGeom prst="rect">
-            <a:avLst/>
-          </a:prstGeom>
-          <a:noFill/>
-          <a:ln w="9525">
-            <a:noFill/>
-            <a:miter lim="800000"/>
-            <a:headEnd/>
-            <a:tailEnd/>
-          </a:ln>
-        </p:spPr>
-      </p:pic>
-      <p:cxnSp>
-        <p:nvCxnSpPr>
-          <p:cNvPr id="28" name="Straight Arrow Connector 27"/>
-          <p:cNvCxnSpPr/>
-          <p:nvPr/>
-        </p:nvCxnSpPr>
-        <p:spPr>
-          <a:xfrm flipV="1">
-            <a:off x="3657600" y="4724400"/>
-            <a:ext cx="1905000" cy="304800"/>
-          </a:xfrm>
-          <a:prstGeom prst="straightConnector1">
-            <a:avLst/>
-          </a:prstGeom>
-          <a:ln>
-            <a:tailEnd type="arrow"/>
-          </a:ln>
-        </p:spPr>
-        <p:style>
-          <a:lnRef idx="1">
-            <a:schemeClr val="accent1"/>
-          </a:lnRef>
-          <a:fillRef idx="0">
-            <a:schemeClr val="accent1"/>
-          </a:fillRef>
-          <a:effectRef idx="0">
-            <a:schemeClr val="accent1"/>
-          </a:effectRef>
-          <a:fontRef idx="minor">
-            <a:schemeClr val="tx1"/>
-          </a:fontRef>
-        </p:style>
-      </p:cxnSp>
     </p:spTree>
   </p:cSld>
   <p:clrMapOvr>
@@ -9384,940 +9155,6 @@
             <a:r>
               <a:rPr lang="en-US" dirty="0" smtClean="0"/>
               <a:t>Week 20</a:t>
-            </a:r>
-            <a:endParaRPr lang="en-US" dirty="0"/>
-          </a:p>
-        </p:txBody>
-      </p:sp>
-    </p:spTree>
-  </p:cSld>
-  <p:clrMapOvr>
-    <a:masterClrMapping/>
-  </p:clrMapOvr>
-</p:sld>
-</file>
-
-<file path=ppt/slides/slide30.xml><?xml version="1.0" encoding="utf-8"?>
-<p:sld xmlns:a="http://schemas.openxmlformats.org/drawingml/2006/main" xmlns:r="http://schemas.openxmlformats.org/officeDocument/2006/relationships" xmlns:p="http://schemas.openxmlformats.org/presentationml/2006/main">
-  <p:cSld>
-    <p:spTree>
-      <p:nvGrpSpPr>
-        <p:cNvPr id="1" name=""/>
-        <p:cNvGrpSpPr/>
-        <p:nvPr/>
-      </p:nvGrpSpPr>
-      <p:grpSpPr>
-        <a:xfrm>
-          <a:off x="0" y="0"/>
-          <a:ext cx="0" cy="0"/>
-          <a:chOff x="0" y="0"/>
-          <a:chExt cx="0" cy="0"/>
-        </a:xfrm>
-      </p:grpSpPr>
-      <p:pic>
-        <p:nvPicPr>
-          <p:cNvPr id="1026" name="Picture 2"/>
-          <p:cNvPicPr>
-            <a:picLocks noChangeAspect="1" noChangeArrowheads="1"/>
-          </p:cNvPicPr>
-          <p:nvPr/>
-        </p:nvPicPr>
-        <p:blipFill>
-          <a:blip r:embed="rId2" cstate="print"/>
-          <a:srcRect/>
-          <a:stretch>
-            <a:fillRect/>
-          </a:stretch>
-        </p:blipFill>
-        <p:spPr bwMode="auto">
-          <a:xfrm>
-            <a:off x="304800" y="1828800"/>
-            <a:ext cx="8534400" cy="4837916"/>
-          </a:xfrm>
-          <a:prstGeom prst="rect">
-            <a:avLst/>
-          </a:prstGeom>
-          <a:noFill/>
-          <a:ln w="9525">
-            <a:noFill/>
-            <a:miter lim="800000"/>
-            <a:headEnd/>
-            <a:tailEnd/>
-          </a:ln>
-        </p:spPr>
-      </p:pic>
-      <p:sp>
-        <p:nvSpPr>
-          <p:cNvPr id="3" name="TextBox 2"/>
-          <p:cNvSpPr txBox="1"/>
-          <p:nvPr/>
-        </p:nvSpPr>
-        <p:spPr>
-          <a:xfrm>
-            <a:off x="533400" y="76200"/>
-            <a:ext cx="7024039" cy="646331"/>
-          </a:xfrm>
-          <a:prstGeom prst="rect">
-            <a:avLst/>
-          </a:prstGeom>
-          <a:noFill/>
-        </p:spPr>
-        <p:txBody>
-          <a:bodyPr wrap="none" rtlCol="0">
-            <a:spAutoFit/>
-          </a:bodyPr>
-          <a:lstStyle/>
-          <a:p>
-            <a:r>
-              <a:rPr lang="en-US" dirty="0" smtClean="0"/>
-              <a:t>We see the adjusted variance approaches the canonical variance as the </a:t>
-            </a:r>
-          </a:p>
-          <a:p>
-            <a:r>
-              <a:rPr lang="en-US" dirty="0" smtClean="0"/>
-              <a:t>v</a:t>
-            </a:r>
-            <a:r>
-              <a:rPr lang="en-US" dirty="0" smtClean="0"/>
-              <a:t>ariance increases….</a:t>
-            </a:r>
-            <a:endParaRPr lang="en-US" dirty="0"/>
-          </a:p>
-        </p:txBody>
-      </p:sp>
-      <p:pic>
-        <p:nvPicPr>
-          <p:cNvPr id="1027" name="Picture 3"/>
-          <p:cNvPicPr>
-            <a:picLocks noChangeAspect="1" noChangeArrowheads="1"/>
-          </p:cNvPicPr>
-          <p:nvPr/>
-        </p:nvPicPr>
-        <p:blipFill>
-          <a:blip r:embed="rId3" cstate="print"/>
-          <a:srcRect/>
-          <a:stretch>
-            <a:fillRect/>
-          </a:stretch>
-        </p:blipFill>
-        <p:spPr bwMode="auto">
-          <a:xfrm>
-            <a:off x="2819400" y="533400"/>
-            <a:ext cx="5962650" cy="1590675"/>
-          </a:xfrm>
-          <a:prstGeom prst="rect">
-            <a:avLst/>
-          </a:prstGeom>
-          <a:noFill/>
-          <a:ln w="9525">
-            <a:noFill/>
-            <a:miter lim="800000"/>
-            <a:headEnd/>
-            <a:tailEnd/>
-          </a:ln>
-        </p:spPr>
-      </p:pic>
-    </p:spTree>
-  </p:cSld>
-  <p:clrMapOvr>
-    <a:masterClrMapping/>
-  </p:clrMapOvr>
-</p:sld>
-</file>
-
-<file path=ppt/slides/slide31.xml><?xml version="1.0" encoding="utf-8"?>
-<p:sld xmlns:a="http://schemas.openxmlformats.org/drawingml/2006/main" xmlns:r="http://schemas.openxmlformats.org/officeDocument/2006/relationships" xmlns:p="http://schemas.openxmlformats.org/presentationml/2006/main">
-  <p:cSld>
-    <p:spTree>
-      <p:nvGrpSpPr>
-        <p:cNvPr id="1" name=""/>
-        <p:cNvGrpSpPr/>
-        <p:nvPr/>
-      </p:nvGrpSpPr>
-      <p:grpSpPr>
-        <a:xfrm>
-          <a:off x="0" y="0"/>
-          <a:ext cx="0" cy="0"/>
-          <a:chOff x="0" y="0"/>
-          <a:chExt cx="0" cy="0"/>
-        </a:xfrm>
-      </p:grpSpPr>
-      <p:pic>
-        <p:nvPicPr>
-          <p:cNvPr id="2050" name="Picture 2"/>
-          <p:cNvPicPr>
-            <a:picLocks noChangeAspect="1" noChangeArrowheads="1"/>
-          </p:cNvPicPr>
-          <p:nvPr/>
-        </p:nvPicPr>
-        <p:blipFill>
-          <a:blip r:embed="rId2" cstate="print"/>
-          <a:srcRect/>
-          <a:stretch>
-            <a:fillRect/>
-          </a:stretch>
-        </p:blipFill>
-        <p:spPr bwMode="auto">
-          <a:xfrm>
-            <a:off x="161925" y="1800225"/>
-            <a:ext cx="8820150" cy="4067175"/>
-          </a:xfrm>
-          <a:prstGeom prst="rect">
-            <a:avLst/>
-          </a:prstGeom>
-          <a:noFill/>
-          <a:ln w="9525">
-            <a:noFill/>
-            <a:miter lim="800000"/>
-            <a:headEnd/>
-            <a:tailEnd/>
-          </a:ln>
-        </p:spPr>
-      </p:pic>
-      <p:sp>
-        <p:nvSpPr>
-          <p:cNvPr id="3" name="TextBox 2"/>
-          <p:cNvSpPr txBox="1"/>
-          <p:nvPr/>
-        </p:nvSpPr>
-        <p:spPr>
-          <a:xfrm>
-            <a:off x="457200" y="76200"/>
-            <a:ext cx="5258299" cy="369332"/>
-          </a:xfrm>
-          <a:prstGeom prst="rect">
-            <a:avLst/>
-          </a:prstGeom>
-          <a:noFill/>
-        </p:spPr>
-        <p:txBody>
-          <a:bodyPr wrap="none" rtlCol="0">
-            <a:spAutoFit/>
-          </a:bodyPr>
-          <a:lstStyle/>
-          <a:p>
-            <a:r>
-              <a:rPr lang="en-US" dirty="0" smtClean="0"/>
-              <a:t>The canonical variance is often </a:t>
-            </a:r>
-            <a:r>
-              <a:rPr lang="en-US" smtClean="0"/>
-              <a:t>well below the mean….</a:t>
-            </a:r>
-            <a:endParaRPr lang="en-US" dirty="0"/>
-          </a:p>
-        </p:txBody>
-      </p:sp>
-      <p:pic>
-        <p:nvPicPr>
-          <p:cNvPr id="2051" name="Picture 3"/>
-          <p:cNvPicPr>
-            <a:picLocks noChangeAspect="1" noChangeArrowheads="1"/>
-          </p:cNvPicPr>
-          <p:nvPr/>
-        </p:nvPicPr>
-        <p:blipFill>
-          <a:blip r:embed="rId3" cstate="print"/>
-          <a:srcRect/>
-          <a:stretch>
-            <a:fillRect/>
-          </a:stretch>
-        </p:blipFill>
-        <p:spPr bwMode="auto">
-          <a:xfrm>
-            <a:off x="1600200" y="533400"/>
-            <a:ext cx="6086475" cy="1285875"/>
-          </a:xfrm>
-          <a:prstGeom prst="rect">
-            <a:avLst/>
-          </a:prstGeom>
-          <a:noFill/>
-          <a:ln w="9525">
-            <a:noFill/>
-            <a:miter lim="800000"/>
-            <a:headEnd/>
-            <a:tailEnd/>
-          </a:ln>
-        </p:spPr>
-      </p:pic>
-    </p:spTree>
-  </p:cSld>
-  <p:clrMapOvr>
-    <a:masterClrMapping/>
-  </p:clrMapOvr>
-</p:sld>
-</file>
-
-<file path=ppt/slides/slide32.xml><?xml version="1.0" encoding="utf-8"?>
-<p:sld xmlns:a="http://schemas.openxmlformats.org/drawingml/2006/main" xmlns:r="http://schemas.openxmlformats.org/officeDocument/2006/relationships" xmlns:p="http://schemas.openxmlformats.org/presentationml/2006/main">
-  <p:cSld>
-    <p:spTree>
-      <p:nvGrpSpPr>
-        <p:cNvPr id="1" name=""/>
-        <p:cNvGrpSpPr/>
-        <p:nvPr/>
-      </p:nvGrpSpPr>
-      <p:grpSpPr>
-        <a:xfrm>
-          <a:off x="0" y="0"/>
-          <a:ext cx="0" cy="0"/>
-          <a:chOff x="0" y="0"/>
-          <a:chExt cx="0" cy="0"/>
-        </a:xfrm>
-      </p:grpSpPr>
-      <p:sp>
-        <p:nvSpPr>
-          <p:cNvPr id="2" name="TextBox 1"/>
-          <p:cNvSpPr txBox="1"/>
-          <p:nvPr/>
-        </p:nvSpPr>
-        <p:spPr>
-          <a:xfrm>
-            <a:off x="444253" y="152400"/>
-            <a:ext cx="7175747" cy="646331"/>
-          </a:xfrm>
-          <a:prstGeom prst="rect">
-            <a:avLst/>
-          </a:prstGeom>
-          <a:noFill/>
-        </p:spPr>
-        <p:txBody>
-          <a:bodyPr wrap="none" rtlCol="0">
-            <a:spAutoFit/>
-          </a:bodyPr>
-          <a:lstStyle/>
-          <a:p>
-            <a:r>
-              <a:rPr lang="en-US" dirty="0" smtClean="0"/>
-              <a:t>We see the canonical variance is also often below the mean in the dataset </a:t>
-            </a:r>
-          </a:p>
-          <a:p>
-            <a:r>
-              <a:rPr lang="en-US" dirty="0" smtClean="0"/>
-              <a:t>analyzed in the </a:t>
-            </a:r>
-            <a:r>
-              <a:rPr lang="en-US" dirty="0" err="1" smtClean="0"/>
-              <a:t>DeSeq</a:t>
-            </a:r>
-            <a:r>
-              <a:rPr lang="en-US" dirty="0" smtClean="0"/>
-              <a:t> </a:t>
-            </a:r>
-            <a:r>
-              <a:rPr lang="en-US" dirty="0" err="1" smtClean="0"/>
-              <a:t>paqer</a:t>
-            </a:r>
-            <a:endParaRPr lang="en-US" dirty="0"/>
-          </a:p>
-        </p:txBody>
-      </p:sp>
-      <p:pic>
-        <p:nvPicPr>
-          <p:cNvPr id="5122" name="Picture 2"/>
-          <p:cNvPicPr>
-            <a:picLocks noChangeAspect="1" noChangeArrowheads="1"/>
-          </p:cNvPicPr>
-          <p:nvPr/>
-        </p:nvPicPr>
-        <p:blipFill>
-          <a:blip r:embed="rId2" cstate="print"/>
-          <a:srcRect/>
-          <a:stretch>
-            <a:fillRect/>
-          </a:stretch>
-        </p:blipFill>
-        <p:spPr bwMode="auto">
-          <a:xfrm>
-            <a:off x="228600" y="1143000"/>
-            <a:ext cx="8407689" cy="3505200"/>
-          </a:xfrm>
-          <a:prstGeom prst="rect">
-            <a:avLst/>
-          </a:prstGeom>
-          <a:noFill/>
-          <a:ln w="9525">
-            <a:noFill/>
-            <a:miter lim="800000"/>
-            <a:headEnd/>
-            <a:tailEnd/>
-          </a:ln>
-        </p:spPr>
-      </p:pic>
-    </p:spTree>
-  </p:cSld>
-  <p:clrMapOvr>
-    <a:masterClrMapping/>
-  </p:clrMapOvr>
-</p:sld>
-</file>
-
-<file path=ppt/slides/slide33.xml><?xml version="1.0" encoding="utf-8"?>
-<p:sld xmlns:a="http://schemas.openxmlformats.org/drawingml/2006/main" xmlns:r="http://schemas.openxmlformats.org/officeDocument/2006/relationships" xmlns:p="http://schemas.openxmlformats.org/presentationml/2006/main">
-  <p:cSld>
-    <p:spTree>
-      <p:nvGrpSpPr>
-        <p:cNvPr id="1" name=""/>
-        <p:cNvGrpSpPr/>
-        <p:nvPr/>
-      </p:nvGrpSpPr>
-      <p:grpSpPr>
-        <a:xfrm>
-          <a:off x="0" y="0"/>
-          <a:ext cx="0" cy="0"/>
-          <a:chOff x="0" y="0"/>
-          <a:chExt cx="0" cy="0"/>
-        </a:xfrm>
-      </p:grpSpPr>
-      <p:sp>
-        <p:nvSpPr>
-          <p:cNvPr id="2" name="TextBox 1"/>
-          <p:cNvSpPr txBox="1"/>
-          <p:nvPr/>
-        </p:nvSpPr>
-        <p:spPr>
-          <a:xfrm>
-            <a:off x="838200" y="-64532"/>
-            <a:ext cx="7105856" cy="369332"/>
-          </a:xfrm>
-          <a:prstGeom prst="rect">
-            <a:avLst/>
-          </a:prstGeom>
-          <a:noFill/>
-        </p:spPr>
-        <p:txBody>
-          <a:bodyPr wrap="none" rtlCol="0">
-            <a:spAutoFit/>
-          </a:bodyPr>
-          <a:lstStyle/>
-          <a:p>
-            <a:r>
-              <a:rPr lang="en-US" dirty="0" smtClean="0"/>
-              <a:t>But our adjusted variance is above the mean (because we forced it to be!)</a:t>
-            </a:r>
-            <a:endParaRPr lang="en-US" dirty="0"/>
-          </a:p>
-        </p:txBody>
-      </p:sp>
-      <p:pic>
-        <p:nvPicPr>
-          <p:cNvPr id="3075" name="Picture 3"/>
-          <p:cNvPicPr>
-            <a:picLocks noChangeAspect="1" noChangeArrowheads="1"/>
-          </p:cNvPicPr>
-          <p:nvPr/>
-        </p:nvPicPr>
-        <p:blipFill>
-          <a:blip r:embed="rId2" cstate="print"/>
-          <a:srcRect/>
-          <a:stretch>
-            <a:fillRect/>
-          </a:stretch>
-        </p:blipFill>
-        <p:spPr bwMode="auto">
-          <a:xfrm>
-            <a:off x="152400" y="2850903"/>
-            <a:ext cx="8610600" cy="4007097"/>
-          </a:xfrm>
-          <a:prstGeom prst="rect">
-            <a:avLst/>
-          </a:prstGeom>
-          <a:noFill/>
-          <a:ln w="9525">
-            <a:noFill/>
-            <a:miter lim="800000"/>
-            <a:headEnd/>
-            <a:tailEnd/>
-          </a:ln>
-        </p:spPr>
-      </p:pic>
-      <p:pic>
-        <p:nvPicPr>
-          <p:cNvPr id="3076" name="Picture 4"/>
-          <p:cNvPicPr>
-            <a:picLocks noChangeAspect="1" noChangeArrowheads="1"/>
-          </p:cNvPicPr>
-          <p:nvPr/>
-        </p:nvPicPr>
-        <p:blipFill>
-          <a:blip r:embed="rId3" cstate="print"/>
-          <a:srcRect/>
-          <a:stretch>
-            <a:fillRect/>
-          </a:stretch>
-        </p:blipFill>
-        <p:spPr bwMode="auto">
-          <a:xfrm>
-            <a:off x="1371601" y="267822"/>
-            <a:ext cx="5867400" cy="2856378"/>
-          </a:xfrm>
-          <a:prstGeom prst="rect">
-            <a:avLst/>
-          </a:prstGeom>
-          <a:noFill/>
-          <a:ln w="9525">
-            <a:noFill/>
-            <a:miter lim="800000"/>
-            <a:headEnd/>
-            <a:tailEnd/>
-          </a:ln>
-        </p:spPr>
-      </p:pic>
-    </p:spTree>
-  </p:cSld>
-  <p:clrMapOvr>
-    <a:masterClrMapping/>
-  </p:clrMapOvr>
-</p:sld>
-</file>
-
-<file path=ppt/slides/slide34.xml><?xml version="1.0" encoding="utf-8"?>
-<p:sld xmlns:a="http://schemas.openxmlformats.org/drawingml/2006/main" xmlns:r="http://schemas.openxmlformats.org/officeDocument/2006/relationships" xmlns:p="http://schemas.openxmlformats.org/presentationml/2006/main">
-  <p:cSld>
-    <p:spTree>
-      <p:nvGrpSpPr>
-        <p:cNvPr id="1" name=""/>
-        <p:cNvGrpSpPr/>
-        <p:nvPr/>
-      </p:nvGrpSpPr>
-      <p:grpSpPr>
-        <a:xfrm>
-          <a:off x="0" y="0"/>
-          <a:ext cx="0" cy="0"/>
-          <a:chOff x="0" y="0"/>
-          <a:chExt cx="0" cy="0"/>
-        </a:xfrm>
-      </p:grpSpPr>
-      <p:sp>
-        <p:nvSpPr>
-          <p:cNvPr id="2" name="TextBox 1"/>
-          <p:cNvSpPr txBox="1"/>
-          <p:nvPr/>
-        </p:nvSpPr>
-        <p:spPr>
-          <a:xfrm>
-            <a:off x="533400" y="152400"/>
-            <a:ext cx="7964232" cy="646331"/>
-          </a:xfrm>
-          <a:prstGeom prst="rect">
-            <a:avLst/>
-          </a:prstGeom>
-          <a:noFill/>
-        </p:spPr>
-        <p:txBody>
-          <a:bodyPr wrap="none" rtlCol="0">
-            <a:spAutoFit/>
-          </a:bodyPr>
-          <a:lstStyle/>
-          <a:p>
-            <a:r>
-              <a:rPr lang="en-US" dirty="0" smtClean="0"/>
-              <a:t>This procedure belongs in a long history of adding small constants to the variance…</a:t>
-            </a:r>
-          </a:p>
-          <a:p>
-            <a:r>
-              <a:rPr lang="en-US" dirty="0" smtClean="0"/>
-              <a:t>(which often seems poorly justified by theory…)</a:t>
-            </a:r>
-            <a:endParaRPr lang="en-US" dirty="0"/>
-          </a:p>
-        </p:txBody>
-      </p:sp>
-      <p:pic>
-        <p:nvPicPr>
-          <p:cNvPr id="4098" name="Picture 2"/>
-          <p:cNvPicPr>
-            <a:picLocks noChangeAspect="1" noChangeArrowheads="1"/>
-          </p:cNvPicPr>
-          <p:nvPr/>
-        </p:nvPicPr>
-        <p:blipFill>
-          <a:blip r:embed="rId2" cstate="print"/>
-          <a:srcRect/>
-          <a:stretch>
-            <a:fillRect/>
-          </a:stretch>
-        </p:blipFill>
-        <p:spPr bwMode="auto">
-          <a:xfrm>
-            <a:off x="381000" y="838200"/>
-            <a:ext cx="3009900" cy="4010025"/>
-          </a:xfrm>
-          <a:prstGeom prst="rect">
-            <a:avLst/>
-          </a:prstGeom>
-          <a:noFill/>
-          <a:ln w="9525">
-            <a:noFill/>
-            <a:miter lim="800000"/>
-            <a:headEnd/>
-            <a:tailEnd/>
-          </a:ln>
-        </p:spPr>
-      </p:pic>
-      <p:pic>
-        <p:nvPicPr>
-          <p:cNvPr id="4099" name="Picture 3"/>
-          <p:cNvPicPr>
-            <a:picLocks noChangeAspect="1" noChangeArrowheads="1"/>
-          </p:cNvPicPr>
-          <p:nvPr/>
-        </p:nvPicPr>
-        <p:blipFill>
-          <a:blip r:embed="rId3" cstate="print"/>
-          <a:srcRect/>
-          <a:stretch>
-            <a:fillRect/>
-          </a:stretch>
-        </p:blipFill>
-        <p:spPr bwMode="auto">
-          <a:xfrm>
-            <a:off x="2209800" y="5181600"/>
-            <a:ext cx="6096000" cy="1438275"/>
-          </a:xfrm>
-          <a:prstGeom prst="rect">
-            <a:avLst/>
-          </a:prstGeom>
-          <a:noFill/>
-          <a:ln w="9525">
-            <a:noFill/>
-            <a:miter lim="800000"/>
-            <a:headEnd/>
-            <a:tailEnd/>
-          </a:ln>
-        </p:spPr>
-      </p:pic>
-      <p:cxnSp>
-        <p:nvCxnSpPr>
-          <p:cNvPr id="10" name="Straight Arrow Connector 9"/>
-          <p:cNvCxnSpPr/>
-          <p:nvPr/>
-        </p:nvCxnSpPr>
-        <p:spPr>
-          <a:xfrm flipH="1">
-            <a:off x="3124200" y="4800600"/>
-            <a:ext cx="533400" cy="0"/>
-          </a:xfrm>
-          <a:prstGeom prst="straightConnector1">
-            <a:avLst/>
-          </a:prstGeom>
-          <a:ln>
-            <a:tailEnd type="arrow"/>
-          </a:ln>
-        </p:spPr>
-        <p:style>
-          <a:lnRef idx="1">
-            <a:schemeClr val="accent1"/>
-          </a:lnRef>
-          <a:fillRef idx="0">
-            <a:schemeClr val="accent1"/>
-          </a:fillRef>
-          <a:effectRef idx="0">
-            <a:schemeClr val="accent1"/>
-          </a:effectRef>
-          <a:fontRef idx="minor">
-            <a:schemeClr val="tx1"/>
-          </a:fontRef>
-        </p:style>
-      </p:cxnSp>
-      <p:sp>
-        <p:nvSpPr>
-          <p:cNvPr id="11" name="TextBox 10"/>
-          <p:cNvSpPr txBox="1"/>
-          <p:nvPr/>
-        </p:nvSpPr>
-        <p:spPr>
-          <a:xfrm flipH="1">
-            <a:off x="3581400" y="4572000"/>
-            <a:ext cx="4831081" cy="369332"/>
-          </a:xfrm>
-          <a:prstGeom prst="rect">
-            <a:avLst/>
-          </a:prstGeom>
-          <a:noFill/>
-        </p:spPr>
-        <p:txBody>
-          <a:bodyPr wrap="square" rtlCol="0">
-            <a:spAutoFit/>
-          </a:bodyPr>
-          <a:lstStyle/>
-          <a:p>
-            <a:r>
-              <a:rPr lang="en-US" dirty="0" smtClean="0"/>
-              <a:t>Adding an arbitrary damper to the variance</a:t>
-            </a:r>
-            <a:endParaRPr lang="en-US" dirty="0"/>
-          </a:p>
-        </p:txBody>
-      </p:sp>
-      <p:sp>
-        <p:nvSpPr>
-          <p:cNvPr id="12" name="TextBox 11"/>
-          <p:cNvSpPr txBox="1"/>
-          <p:nvPr/>
-        </p:nvSpPr>
-        <p:spPr>
-          <a:xfrm>
-            <a:off x="356422" y="5867400"/>
-            <a:ext cx="1700978" cy="369332"/>
-          </a:xfrm>
-          <a:prstGeom prst="rect">
-            <a:avLst/>
-          </a:prstGeom>
-          <a:noFill/>
-        </p:spPr>
-        <p:txBody>
-          <a:bodyPr wrap="none" rtlCol="0">
-            <a:spAutoFit/>
-          </a:bodyPr>
-          <a:lstStyle/>
-          <a:p>
-            <a:r>
-              <a:rPr lang="en-US" dirty="0" smtClean="0"/>
-              <a:t>(</a:t>
-            </a:r>
-            <a:r>
-              <a:rPr lang="en-US" smtClean="0"/>
-              <a:t>9,951 citations)</a:t>
-            </a:r>
-            <a:endParaRPr lang="en-US"/>
-          </a:p>
-        </p:txBody>
-      </p:sp>
-    </p:spTree>
-  </p:cSld>
-  <p:clrMapOvr>
-    <a:masterClrMapping/>
-  </p:clrMapOvr>
-</p:sld>
-</file>
-
-<file path=ppt/slides/slide35.xml><?xml version="1.0" encoding="utf-8"?>
-<p:sld xmlns:a="http://schemas.openxmlformats.org/drawingml/2006/main" xmlns:r="http://schemas.openxmlformats.org/officeDocument/2006/relationships" xmlns:p="http://schemas.openxmlformats.org/presentationml/2006/main">
-  <p:cSld>
-    <p:spTree>
-      <p:nvGrpSpPr>
-        <p:cNvPr id="1" name=""/>
-        <p:cNvGrpSpPr/>
-        <p:nvPr/>
-      </p:nvGrpSpPr>
-      <p:grpSpPr>
-        <a:xfrm>
-          <a:off x="0" y="0"/>
-          <a:ext cx="0" cy="0"/>
-          <a:chOff x="0" y="0"/>
-          <a:chExt cx="0" cy="0"/>
-        </a:xfrm>
-      </p:grpSpPr>
-      <p:pic>
-        <p:nvPicPr>
-          <p:cNvPr id="2" name="Picture 4"/>
-          <p:cNvPicPr>
-            <a:picLocks noChangeAspect="1" noChangeArrowheads="1"/>
-          </p:cNvPicPr>
-          <p:nvPr/>
-        </p:nvPicPr>
-        <p:blipFill>
-          <a:blip r:embed="rId2" cstate="print"/>
-          <a:srcRect/>
-          <a:stretch>
-            <a:fillRect/>
-          </a:stretch>
-        </p:blipFill>
-        <p:spPr bwMode="auto">
-          <a:xfrm>
-            <a:off x="228600" y="533399"/>
-            <a:ext cx="7162800" cy="6108277"/>
-          </a:xfrm>
-          <a:prstGeom prst="rect">
-            <a:avLst/>
-          </a:prstGeom>
-          <a:noFill/>
-          <a:ln w="9525">
-            <a:noFill/>
-            <a:miter lim="800000"/>
-            <a:headEnd/>
-            <a:tailEnd/>
-          </a:ln>
-        </p:spPr>
-      </p:pic>
-      <p:cxnSp>
-        <p:nvCxnSpPr>
-          <p:cNvPr id="4" name="Straight Arrow Connector 3"/>
-          <p:cNvCxnSpPr/>
-          <p:nvPr/>
-        </p:nvCxnSpPr>
-        <p:spPr>
-          <a:xfrm flipH="1" flipV="1">
-            <a:off x="3200400" y="5791200"/>
-            <a:ext cx="685800" cy="304800"/>
-          </a:xfrm>
-          <a:prstGeom prst="straightConnector1">
-            <a:avLst/>
-          </a:prstGeom>
-          <a:ln>
-            <a:tailEnd type="arrow"/>
-          </a:ln>
-        </p:spPr>
-        <p:style>
-          <a:lnRef idx="1">
-            <a:schemeClr val="accent1"/>
-          </a:lnRef>
-          <a:fillRef idx="0">
-            <a:schemeClr val="accent1"/>
-          </a:fillRef>
-          <a:effectRef idx="0">
-            <a:schemeClr val="accent1"/>
-          </a:effectRef>
-          <a:fontRef idx="minor">
-            <a:schemeClr val="tx1"/>
-          </a:fontRef>
-        </p:style>
-      </p:cxnSp>
-      <p:sp>
-        <p:nvSpPr>
-          <p:cNvPr id="5" name="TextBox 4"/>
-          <p:cNvSpPr txBox="1"/>
-          <p:nvPr/>
-        </p:nvSpPr>
-        <p:spPr>
-          <a:xfrm>
-            <a:off x="3886200" y="6096000"/>
-            <a:ext cx="4243854" cy="369332"/>
-          </a:xfrm>
-          <a:prstGeom prst="rect">
-            <a:avLst/>
-          </a:prstGeom>
-          <a:noFill/>
-        </p:spPr>
-        <p:txBody>
-          <a:bodyPr wrap="none" rtlCol="0">
-            <a:spAutoFit/>
-          </a:bodyPr>
-          <a:lstStyle/>
-          <a:p>
-            <a:r>
-              <a:rPr lang="en-US" dirty="0" smtClean="0"/>
-              <a:t>Adding an arbitrary damper to the variance</a:t>
-            </a:r>
-            <a:endParaRPr lang="en-US" dirty="0"/>
-          </a:p>
-        </p:txBody>
-      </p:sp>
-    </p:spTree>
-  </p:cSld>
-  <p:clrMapOvr>
-    <a:masterClrMapping/>
-  </p:clrMapOvr>
-</p:sld>
-</file>
-
-<file path=ppt/slides/slide36.xml><?xml version="1.0" encoding="utf-8"?>
-<p:sld xmlns:a="http://schemas.openxmlformats.org/drawingml/2006/main" xmlns:r="http://schemas.openxmlformats.org/officeDocument/2006/relationships" xmlns:p="http://schemas.openxmlformats.org/presentationml/2006/main">
-  <p:cSld>
-    <p:spTree>
-      <p:nvGrpSpPr>
-        <p:cNvPr id="1" name=""/>
-        <p:cNvGrpSpPr/>
-        <p:nvPr/>
-      </p:nvGrpSpPr>
-      <p:grpSpPr>
-        <a:xfrm>
-          <a:off x="0" y="0"/>
-          <a:ext cx="0" cy="0"/>
-          <a:chOff x="0" y="0"/>
-          <a:chExt cx="0" cy="0"/>
-        </a:xfrm>
-      </p:grpSpPr>
-      <p:sp>
-        <p:nvSpPr>
-          <p:cNvPr id="2" name="TextBox 1"/>
-          <p:cNvSpPr txBox="1"/>
-          <p:nvPr/>
-        </p:nvSpPr>
-        <p:spPr>
-          <a:xfrm>
-            <a:off x="0" y="304800"/>
-            <a:ext cx="9144000" cy="2862322"/>
-          </a:xfrm>
-          <a:prstGeom prst="rect">
-            <a:avLst/>
-          </a:prstGeom>
-          <a:noFill/>
-        </p:spPr>
-        <p:txBody>
-          <a:bodyPr wrap="square" rtlCol="0">
-            <a:spAutoFit/>
-          </a:bodyPr>
-          <a:lstStyle/>
-          <a:p>
-            <a:r>
-              <a:rPr lang="en-US" dirty="0" smtClean="0"/>
-              <a:t>Next time:</a:t>
-            </a:r>
-          </a:p>
-          <a:p>
-            <a:endParaRPr lang="en-US" dirty="0" smtClean="0"/>
-          </a:p>
-          <a:p>
-            <a:r>
-              <a:rPr lang="en-US" dirty="0" smtClean="0"/>
-              <a:t>	Now that we have the mean and the variance, how do we use the</a:t>
-            </a:r>
-          </a:p>
-          <a:p>
-            <a:r>
-              <a:rPr lang="en-US" dirty="0" smtClean="0"/>
-              <a:t>	negative binomial distribution to calculate p-values?</a:t>
-            </a:r>
-          </a:p>
-          <a:p>
-            <a:endParaRPr lang="en-US" dirty="0" smtClean="0"/>
-          </a:p>
-          <a:p>
-            <a:r>
-              <a:rPr lang="en-US" dirty="0" smtClean="0"/>
-              <a:t>	Also, although all </a:t>
-            </a:r>
-            <a:r>
-              <a:rPr lang="en-US" dirty="0" smtClean="0"/>
-              <a:t>the math we have just done is </a:t>
-            </a:r>
-            <a:r>
-              <a:rPr lang="en-US" dirty="0" smtClean="0"/>
-              <a:t>in the paper, that is not how</a:t>
-            </a:r>
-          </a:p>
-          <a:p>
-            <a:r>
-              <a:rPr lang="en-US" dirty="0" smtClean="0"/>
-              <a:t>	</a:t>
-            </a:r>
-            <a:r>
-              <a:rPr lang="en-US" dirty="0" err="1" smtClean="0"/>
-              <a:t>DeSeq</a:t>
-            </a:r>
-            <a:r>
-              <a:rPr lang="en-US" dirty="0" smtClean="0"/>
-              <a:t> actually calculates the variances!!</a:t>
-            </a:r>
-          </a:p>
-          <a:p>
-            <a:r>
-              <a:rPr lang="en-US" dirty="0" smtClean="0"/>
-              <a:t>	Why not?  How does variance get calculated?</a:t>
-            </a:r>
-          </a:p>
-          <a:p>
-            <a:endParaRPr lang="en-US" dirty="0" smtClean="0"/>
-          </a:p>
-          <a:p>
-            <a:r>
-              <a:rPr lang="en-US" dirty="0" smtClean="0"/>
-              <a:t>	</a:t>
             </a:r>
             <a:endParaRPr lang="en-US" dirty="0"/>
           </a:p>

--- a/classes/stats2015/Lecture10.pptx
+++ b/classes/stats2015/Lecture10.pptx
@@ -221,7 +221,7 @@
             <a:fld id="{AABD6A49-7987-48E0-90DF-8C2FFA45CE95}" type="datetimeFigureOut">
               <a:rPr lang="en-US" smtClean="0"/>
               <a:pPr/>
-              <a:t>2/21/2015</a:t>
+              <a:t>2/23/2015</a:t>
             </a:fld>
             <a:endParaRPr lang="en-US"/>
           </a:p>
@@ -1161,7 +1161,7 @@
             <a:fld id="{1D8BD707-D9CF-40AE-B4C6-C98DA3205C09}" type="datetimeFigureOut">
               <a:rPr lang="en-US" smtClean="0"/>
               <a:pPr/>
-              <a:t>2/21/2015</a:t>
+              <a:t>2/23/2015</a:t>
             </a:fld>
             <a:endParaRPr lang="en-US"/>
           </a:p>
@@ -1328,7 +1328,7 @@
             <a:fld id="{1D8BD707-D9CF-40AE-B4C6-C98DA3205C09}" type="datetimeFigureOut">
               <a:rPr lang="en-US" smtClean="0"/>
               <a:pPr/>
-              <a:t>2/21/2015</a:t>
+              <a:t>2/23/2015</a:t>
             </a:fld>
             <a:endParaRPr lang="en-US"/>
           </a:p>
@@ -1505,7 +1505,7 @@
             <a:fld id="{1D8BD707-D9CF-40AE-B4C6-C98DA3205C09}" type="datetimeFigureOut">
               <a:rPr lang="en-US" smtClean="0"/>
               <a:pPr/>
-              <a:t>2/21/2015</a:t>
+              <a:t>2/23/2015</a:t>
             </a:fld>
             <a:endParaRPr lang="en-US"/>
           </a:p>
@@ -1672,7 +1672,7 @@
             <a:fld id="{1D8BD707-D9CF-40AE-B4C6-C98DA3205C09}" type="datetimeFigureOut">
               <a:rPr lang="en-US" smtClean="0"/>
               <a:pPr/>
-              <a:t>2/21/2015</a:t>
+              <a:t>2/23/2015</a:t>
             </a:fld>
             <a:endParaRPr lang="en-US"/>
           </a:p>
@@ -1915,7 +1915,7 @@
             <a:fld id="{1D8BD707-D9CF-40AE-B4C6-C98DA3205C09}" type="datetimeFigureOut">
               <a:rPr lang="en-US" smtClean="0"/>
               <a:pPr/>
-              <a:t>2/21/2015</a:t>
+              <a:t>2/23/2015</a:t>
             </a:fld>
             <a:endParaRPr lang="en-US"/>
           </a:p>
@@ -2200,7 +2200,7 @@
             <a:fld id="{1D8BD707-D9CF-40AE-B4C6-C98DA3205C09}" type="datetimeFigureOut">
               <a:rPr lang="en-US" smtClean="0"/>
               <a:pPr/>
-              <a:t>2/21/2015</a:t>
+              <a:t>2/23/2015</a:t>
             </a:fld>
             <a:endParaRPr lang="en-US"/>
           </a:p>
@@ -2619,7 +2619,7 @@
             <a:fld id="{1D8BD707-D9CF-40AE-B4C6-C98DA3205C09}" type="datetimeFigureOut">
               <a:rPr lang="en-US" smtClean="0"/>
               <a:pPr/>
-              <a:t>2/21/2015</a:t>
+              <a:t>2/23/2015</a:t>
             </a:fld>
             <a:endParaRPr lang="en-US"/>
           </a:p>
@@ -2734,7 +2734,7 @@
             <a:fld id="{1D8BD707-D9CF-40AE-B4C6-C98DA3205C09}" type="datetimeFigureOut">
               <a:rPr lang="en-US" smtClean="0"/>
               <a:pPr/>
-              <a:t>2/21/2015</a:t>
+              <a:t>2/23/2015</a:t>
             </a:fld>
             <a:endParaRPr lang="en-US"/>
           </a:p>
@@ -2826,7 +2826,7 @@
             <a:fld id="{1D8BD707-D9CF-40AE-B4C6-C98DA3205C09}" type="datetimeFigureOut">
               <a:rPr lang="en-US" smtClean="0"/>
               <a:pPr/>
-              <a:t>2/21/2015</a:t>
+              <a:t>2/23/2015</a:t>
             </a:fld>
             <a:endParaRPr lang="en-US"/>
           </a:p>
@@ -3100,7 +3100,7 @@
             <a:fld id="{1D8BD707-D9CF-40AE-B4C6-C98DA3205C09}" type="datetimeFigureOut">
               <a:rPr lang="en-US" smtClean="0"/>
               <a:pPr/>
-              <a:t>2/21/2015</a:t>
+              <a:t>2/23/2015</a:t>
             </a:fld>
             <a:endParaRPr lang="en-US"/>
           </a:p>
@@ -3350,7 +3350,7 @@
             <a:fld id="{1D8BD707-D9CF-40AE-B4C6-C98DA3205C09}" type="datetimeFigureOut">
               <a:rPr lang="en-US" smtClean="0"/>
               <a:pPr/>
-              <a:t>2/21/2015</a:t>
+              <a:t>2/23/2015</a:t>
             </a:fld>
             <a:endParaRPr lang="en-US"/>
           </a:p>
@@ -3560,7 +3560,7 @@
             <a:fld id="{1D8BD707-D9CF-40AE-B4C6-C98DA3205C09}" type="datetimeFigureOut">
               <a:rPr lang="en-US" smtClean="0"/>
               <a:pPr/>
-              <a:t>2/21/2015</a:t>
+              <a:t>2/23/2015</a:t>
             </a:fld>
             <a:endParaRPr lang="en-US"/>
           </a:p>
@@ -5375,18 +5375,14 @@
           <a:lstStyle/>
           <a:p>
             <a:r>
-              <a:rPr lang="en-US" dirty="0" err="1" smtClean="0"/>
-              <a:t>i</a:t>
-            </a:r>
-            <a:r>
-              <a:rPr lang="en-US" dirty="0" smtClean="0"/>
-              <a:t> is an index for samples (columns in our spreadsheet)</a:t>
-            </a:r>
-          </a:p>
-          <a:p>
-            <a:r>
-              <a:rPr lang="en-US" dirty="0" smtClean="0"/>
-              <a:t>J is an index for genes (rows in our </a:t>
+              <a:rPr lang="en-US" dirty="0" smtClean="0"/>
+              <a:t>j is an index for samples (columns in our spreadsheet)</a:t>
+            </a:r>
+          </a:p>
+          <a:p>
+            <a:r>
+              <a:rPr lang="en-US" dirty="0" smtClean="0"/>
+              <a:t>i is an index for genes (rows in our </a:t>
             </a:r>
             <a:r>
               <a:rPr lang="en-US" dirty="0" err="1" smtClean="0"/>
@@ -8447,11 +8443,7 @@
           <a:p>
             <a:r>
               <a:rPr lang="en-US" dirty="0" smtClean="0"/>
-              <a:t>in the next lecture</a:t>
-            </a:r>
-            <a:r>
-              <a:rPr lang="en-US" dirty="0" smtClean="0"/>
-              <a:t>…</a:t>
+              <a:t>in the next lecture…</a:t>
             </a:r>
           </a:p>
           <a:p>
@@ -8474,7 +8466,6 @@
               <a:rPr lang="en-US" dirty="0" smtClean="0"/>
               <a:t>that we will see..</a:t>
             </a:r>
-            <a:endParaRPr lang="en-US" dirty="0" smtClean="0"/>
           </a:p>
           <a:p>
             <a:endParaRPr lang="en-US" dirty="0" smtClean="0"/>
@@ -8554,11 +8545,7 @@
           <a:p>
             <a:r>
               <a:rPr lang="en-US" dirty="0" smtClean="0"/>
-              <a:t>	</a:t>
-            </a:r>
-            <a:r>
-              <a:rPr lang="en-US" dirty="0" smtClean="0"/>
-              <a:t>What are the different ways the variance can get calculated in </a:t>
+              <a:t>	What are the different ways the variance can get calculated in </a:t>
             </a:r>
             <a:r>
               <a:rPr lang="en-US" dirty="0" err="1" smtClean="0"/>
@@ -8568,7 +8555,6 @@
               <a:rPr lang="en-US" dirty="0" smtClean="0"/>
               <a:t>?</a:t>
             </a:r>
-            <a:endParaRPr lang="en-US" dirty="0" smtClean="0"/>
           </a:p>
           <a:p>
             <a:endParaRPr lang="en-US" dirty="0" smtClean="0"/>

--- a/classes/stats2015/Lecture10.pptx
+++ b/classes/stats2015/Lecture10.pptx
@@ -6742,7 +6742,7 @@
         </p:nvSpPr>
         <p:spPr>
           <a:xfrm>
-            <a:off x="228600" y="0"/>
+            <a:off x="228600" y="-76200"/>
             <a:ext cx="8478679" cy="7239000"/>
           </a:xfrm>
           <a:prstGeom prst="rect">
@@ -7282,16 +7282,53 @@
                 <a:latin typeface="Courier New" pitchFamily="49" charset="0"/>
                 <a:cs typeface="Courier New" pitchFamily="49" charset="0"/>
               </a:rPr>
-              <a:t>[j]</a:t>
-            </a:r>
-          </a:p>
-          <a:p>
+              <a:t>[j</a:t>
+            </a:r>
             <a:r>
               <a:rPr lang="en-US" sz="1200" dirty="0" smtClean="0">
                 <a:latin typeface="Courier New" pitchFamily="49" charset="0"/>
                 <a:cs typeface="Courier New" pitchFamily="49" charset="0"/>
               </a:rPr>
-              <a:t>			</a:t>
+              <a:t>]</a:t>
+            </a:r>
+            <a:r>
+              <a:rPr lang="en-US" sz="1200" dirty="0" smtClean="0">
+                <a:latin typeface="Courier New" pitchFamily="49" charset="0"/>
+                <a:cs typeface="Courier New" pitchFamily="49" charset="0"/>
+              </a:rPr>
+              <a:t>	</a:t>
+            </a:r>
+          </a:p>
+          <a:p>
+            <a:r>
+              <a:rPr lang="en-US" sz="1200" dirty="0" smtClean="0">
+                <a:latin typeface="Courier New" pitchFamily="49" charset="0"/>
+                <a:cs typeface="Courier New" pitchFamily="49" charset="0"/>
+              </a:rPr>
+              <a:t>		</a:t>
+            </a:r>
+            <a:r>
+              <a:rPr lang="en-US" sz="1200" dirty="0" smtClean="0">
+                <a:latin typeface="Courier New" pitchFamily="49" charset="0"/>
+                <a:cs typeface="Courier New" pitchFamily="49" charset="0"/>
+              </a:rPr>
+              <a:t>}</a:t>
+            </a:r>
+          </a:p>
+          <a:p>
+            <a:r>
+              <a:rPr lang="en-US" sz="1200" dirty="0" smtClean="0">
+                <a:latin typeface="Courier New" pitchFamily="49" charset="0"/>
+                <a:cs typeface="Courier New" pitchFamily="49" charset="0"/>
+              </a:rPr>
+              <a:t>	</a:t>
+            </a:r>
+            <a:r>
+              <a:rPr lang="en-US" sz="1200" dirty="0" smtClean="0">
+                <a:latin typeface="Courier New" pitchFamily="49" charset="0"/>
+                <a:cs typeface="Courier New" pitchFamily="49" charset="0"/>
+              </a:rPr>
+              <a:t>	</a:t>
             </a:r>
             <a:r>
               <a:rPr lang="en-US" sz="1200" dirty="0" err="1" smtClean="0">
@@ -7321,15 +7358,10 @@
               </a:rPr>
               <a:t>] = sum / length(range);</a:t>
             </a:r>
-          </a:p>
-          <a:p>
-            <a:r>
-              <a:rPr lang="en-US" sz="1200" dirty="0" smtClean="0">
-                <a:latin typeface="Courier New" pitchFamily="49" charset="0"/>
-                <a:cs typeface="Courier New" pitchFamily="49" charset="0"/>
-              </a:rPr>
-              <a:t>		}</a:t>
-            </a:r>
+            <a:endParaRPr lang="en-US" sz="1200" dirty="0" smtClean="0">
+              <a:latin typeface="Courier New" pitchFamily="49" charset="0"/>
+              <a:cs typeface="Courier New" pitchFamily="49" charset="0"/>
+            </a:endParaRPr>
           </a:p>
           <a:p>
             <a:r>

--- a/classes/stats2015/Lecture10.pptx
+++ b/classes/stats2015/Lecture10.pptx
@@ -6841,8 +6841,19 @@
                 <a:latin typeface="Courier New" pitchFamily="49" charset="0"/>
                 <a:cs typeface="Courier New" pitchFamily="49" charset="0"/>
               </a:rPr>
-              <a:t> &lt;- 7:10</a:t>
-            </a:r>
+              <a:t> &lt;- </a:t>
+            </a:r>
+            <a:r>
+              <a:rPr lang="en-US" sz="1200" dirty="0" smtClean="0">
+                <a:latin typeface="Courier New" pitchFamily="49" charset="0"/>
+                <a:cs typeface="Courier New" pitchFamily="49" charset="0"/>
+              </a:rPr>
+              <a:t>7:11</a:t>
+            </a:r>
+            <a:endParaRPr lang="en-US" sz="1200" dirty="0" smtClean="0">
+              <a:latin typeface="Courier New" pitchFamily="49" charset="0"/>
+              <a:cs typeface="Courier New" pitchFamily="49" charset="0"/>
+            </a:endParaRPr>
           </a:p>
           <a:p>
             <a:endParaRPr lang="en-US" sz="1200" dirty="0" smtClean="0">
@@ -7282,21 +7293,16 @@
                 <a:latin typeface="Courier New" pitchFamily="49" charset="0"/>
                 <a:cs typeface="Courier New" pitchFamily="49" charset="0"/>
               </a:rPr>
-              <a:t>[j</a:t>
-            </a:r>
+              <a:t>[j]	</a:t>
+            </a:r>
+          </a:p>
+          <a:p>
             <a:r>
               <a:rPr lang="en-US" sz="1200" dirty="0" smtClean="0">
                 <a:latin typeface="Courier New" pitchFamily="49" charset="0"/>
                 <a:cs typeface="Courier New" pitchFamily="49" charset="0"/>
               </a:rPr>
-              <a:t>]</a:t>
-            </a:r>
-            <a:r>
-              <a:rPr lang="en-US" sz="1200" dirty="0" smtClean="0">
-                <a:latin typeface="Courier New" pitchFamily="49" charset="0"/>
-                <a:cs typeface="Courier New" pitchFamily="49" charset="0"/>
-              </a:rPr>
-              <a:t>	</a:t>
+              <a:t>		}</a:t>
             </a:r>
           </a:p>
           <a:p>
@@ -7308,29 +7314,6 @@
               <a:t>		</a:t>
             </a:r>
             <a:r>
-              <a:rPr lang="en-US" sz="1200" dirty="0" smtClean="0">
-                <a:latin typeface="Courier New" pitchFamily="49" charset="0"/>
-                <a:cs typeface="Courier New" pitchFamily="49" charset="0"/>
-              </a:rPr>
-              <a:t>}</a:t>
-            </a:r>
-          </a:p>
-          <a:p>
-            <a:r>
-              <a:rPr lang="en-US" sz="1200" dirty="0" smtClean="0">
-                <a:latin typeface="Courier New" pitchFamily="49" charset="0"/>
-                <a:cs typeface="Courier New" pitchFamily="49" charset="0"/>
-              </a:rPr>
-              <a:t>	</a:t>
-            </a:r>
-            <a:r>
-              <a:rPr lang="en-US" sz="1200" dirty="0" smtClean="0">
-                <a:latin typeface="Courier New" pitchFamily="49" charset="0"/>
-                <a:cs typeface="Courier New" pitchFamily="49" charset="0"/>
-              </a:rPr>
-              <a:t>	</a:t>
-            </a:r>
-            <a:r>
               <a:rPr lang="en-US" sz="1200" dirty="0" err="1" smtClean="0">
                 <a:latin typeface="Courier New" pitchFamily="49" charset="0"/>
                 <a:cs typeface="Courier New" pitchFamily="49" charset="0"/>
@@ -7358,10 +7341,6 @@
               </a:rPr>
               <a:t>] = sum / length(range);</a:t>
             </a:r>
-            <a:endParaRPr lang="en-US" sz="1200" dirty="0" smtClean="0">
-              <a:latin typeface="Courier New" pitchFamily="49" charset="0"/>
-              <a:cs typeface="Courier New" pitchFamily="49" charset="0"/>
-            </a:endParaRPr>
           </a:p>
           <a:p>
             <a:r>
